--- a/week3/week3.pptx
+++ b/week3/week3.pptx
@@ -1,6 +1,6 @@
 
 <file path=ppt/presentation.xml><?xml version="1.0" encoding="utf-8"?>
-<p:presentation xmlns:a="http://schemas.openxmlformats.org/drawingml/2006/main" xmlns:p="http://schemas.openxmlformats.org/presentationml/2006/main" xmlns:r="http://schemas.openxmlformats.org/officeDocument/2006/relationships" autoCompressPictures="0" saveSubsetFonts="1">
+<p:presentation xmlns:a="http://schemas.openxmlformats.org/drawingml/2006/main" xmlns:r="http://schemas.openxmlformats.org/officeDocument/2006/relationships" xmlns:p="http://schemas.openxmlformats.org/presentationml/2006/main" saveSubsetFonts="1" autoCompressPictures="0">
   <p:sldMasterIdLst>
     <p:sldMasterId id="2147483648" r:id="rId1"/>
   </p:sldMasterIdLst>
@@ -10,23 +10,24 @@
     <p:sldId id="258" r:id="rId4"/>
     <p:sldId id="259" r:id="rId5"/>
     <p:sldId id="260" r:id="rId6"/>
-    <p:sldId id="261" r:id="rId7"/>
-    <p:sldId id="262" r:id="rId8"/>
-    <p:sldId id="263" r:id="rId9"/>
-    <p:sldId id="264" r:id="rId10"/>
-    <p:sldId id="265" r:id="rId11"/>
-    <p:sldId id="266" r:id="rId12"/>
-    <p:sldId id="267" r:id="rId13"/>
-    <p:sldId id="268" r:id="rId14"/>
-    <p:sldId id="269" r:id="rId15"/>
-    <p:sldId id="270" r:id="rId16"/>
-    <p:sldId id="271" r:id="rId17"/>
-    <p:sldId id="272" r:id="rId18"/>
-    <p:sldId id="273" r:id="rId19"/>
-    <p:sldId id="274" r:id="rId20"/>
-    <p:sldId id="275" r:id="rId21"/>
-    <p:sldId id="276" r:id="rId22"/>
-    <p:sldId id="277" r:id="rId23"/>
+    <p:sldId id="278" r:id="rId7"/>
+    <p:sldId id="261" r:id="rId8"/>
+    <p:sldId id="262" r:id="rId9"/>
+    <p:sldId id="263" r:id="rId10"/>
+    <p:sldId id="264" r:id="rId11"/>
+    <p:sldId id="265" r:id="rId12"/>
+    <p:sldId id="266" r:id="rId13"/>
+    <p:sldId id="267" r:id="rId14"/>
+    <p:sldId id="268" r:id="rId15"/>
+    <p:sldId id="269" r:id="rId16"/>
+    <p:sldId id="270" r:id="rId17"/>
+    <p:sldId id="271" r:id="rId18"/>
+    <p:sldId id="272" r:id="rId19"/>
+    <p:sldId id="273" r:id="rId20"/>
+    <p:sldId id="274" r:id="rId21"/>
+    <p:sldId id="275" r:id="rId22"/>
+    <p:sldId id="276" r:id="rId23"/>
+    <p:sldId id="277" r:id="rId24"/>
   </p:sldIdLst>
   <p:sldSz cx="9144000" cy="5143500" type="screen16x9"/>
   <p:notesSz cx="6858000" cy="9144000"/>
@@ -34,8 +35,8 @@
     <a:defPPr>
       <a:defRPr lang="en-US"/>
     </a:defPPr>
-    <a:lvl1pPr algn="l" defTabSz="457200" eaLnBrk="1" hangingPunct="1" latinLnBrk="0" marL="0" rtl="0">
-      <a:defRPr kern="1200" sz="1800">
+    <a:lvl1pPr marL="0" algn="l" defTabSz="457200" rtl="0" eaLnBrk="1" latinLnBrk="0" hangingPunct="1">
+      <a:defRPr sz="1800" kern="1200">
         <a:solidFill>
           <a:schemeClr val="tx1"/>
         </a:solidFill>
@@ -44,8 +45,8 @@
         <a:cs typeface="+mn-cs"/>
       </a:defRPr>
     </a:lvl1pPr>
-    <a:lvl2pPr algn="l" defTabSz="457200" eaLnBrk="1" hangingPunct="1" latinLnBrk="0" marL="457200" rtl="0">
-      <a:defRPr kern="1200" sz="1800">
+    <a:lvl2pPr marL="457200" algn="l" defTabSz="457200" rtl="0" eaLnBrk="1" latinLnBrk="0" hangingPunct="1">
+      <a:defRPr sz="1800" kern="1200">
         <a:solidFill>
           <a:schemeClr val="tx1"/>
         </a:solidFill>
@@ -54,8 +55,8 @@
         <a:cs typeface="+mn-cs"/>
       </a:defRPr>
     </a:lvl2pPr>
-    <a:lvl3pPr algn="l" defTabSz="457200" eaLnBrk="1" hangingPunct="1" latinLnBrk="0" marL="914400" rtl="0">
-      <a:defRPr kern="1200" sz="1800">
+    <a:lvl3pPr marL="914400" algn="l" defTabSz="457200" rtl="0" eaLnBrk="1" latinLnBrk="0" hangingPunct="1">
+      <a:defRPr sz="1800" kern="1200">
         <a:solidFill>
           <a:schemeClr val="tx1"/>
         </a:solidFill>
@@ -64,8 +65,8 @@
         <a:cs typeface="+mn-cs"/>
       </a:defRPr>
     </a:lvl3pPr>
-    <a:lvl4pPr algn="l" defTabSz="457200" eaLnBrk="1" hangingPunct="1" latinLnBrk="0" marL="1371600" rtl="0">
-      <a:defRPr kern="1200" sz="1800">
+    <a:lvl4pPr marL="1371600" algn="l" defTabSz="457200" rtl="0" eaLnBrk="1" latinLnBrk="0" hangingPunct="1">
+      <a:defRPr sz="1800" kern="1200">
         <a:solidFill>
           <a:schemeClr val="tx1"/>
         </a:solidFill>
@@ -74,8 +75,8 @@
         <a:cs typeface="+mn-cs"/>
       </a:defRPr>
     </a:lvl4pPr>
-    <a:lvl5pPr algn="l" defTabSz="457200" eaLnBrk="1" hangingPunct="1" latinLnBrk="0" marL="1828800" rtl="0">
-      <a:defRPr kern="1200" sz="1800">
+    <a:lvl5pPr marL="1828800" algn="l" defTabSz="457200" rtl="0" eaLnBrk="1" latinLnBrk="0" hangingPunct="1">
+      <a:defRPr sz="1800" kern="1200">
         <a:solidFill>
           <a:schemeClr val="tx1"/>
         </a:solidFill>
@@ -84,8 +85,8 @@
         <a:cs typeface="+mn-cs"/>
       </a:defRPr>
     </a:lvl5pPr>
-    <a:lvl6pPr algn="l" defTabSz="457200" eaLnBrk="1" hangingPunct="1" latinLnBrk="0" marL="2286000" rtl="0">
-      <a:defRPr kern="1200" sz="1800">
+    <a:lvl6pPr marL="2286000" algn="l" defTabSz="457200" rtl="0" eaLnBrk="1" latinLnBrk="0" hangingPunct="1">
+      <a:defRPr sz="1800" kern="1200">
         <a:solidFill>
           <a:schemeClr val="tx1"/>
         </a:solidFill>
@@ -94,8 +95,8 @@
         <a:cs typeface="+mn-cs"/>
       </a:defRPr>
     </a:lvl6pPr>
-    <a:lvl7pPr algn="l" defTabSz="457200" eaLnBrk="1" hangingPunct="1" latinLnBrk="0" marL="2743200" rtl="0">
-      <a:defRPr kern="1200" sz="1800">
+    <a:lvl7pPr marL="2743200" algn="l" defTabSz="457200" rtl="0" eaLnBrk="1" latinLnBrk="0" hangingPunct="1">
+      <a:defRPr sz="1800" kern="1200">
         <a:solidFill>
           <a:schemeClr val="tx1"/>
         </a:solidFill>
@@ -104,8 +105,8 @@
         <a:cs typeface="+mn-cs"/>
       </a:defRPr>
     </a:lvl7pPr>
-    <a:lvl8pPr algn="l" defTabSz="457200" eaLnBrk="1" hangingPunct="1" latinLnBrk="0" marL="3200400" rtl="0">
-      <a:defRPr kern="1200" sz="1800">
+    <a:lvl8pPr marL="3200400" algn="l" defTabSz="457200" rtl="0" eaLnBrk="1" latinLnBrk="0" hangingPunct="1">
+      <a:defRPr sz="1800" kern="1200">
         <a:solidFill>
           <a:schemeClr val="tx1"/>
         </a:solidFill>
@@ -114,8 +115,8 @@
         <a:cs typeface="+mn-cs"/>
       </a:defRPr>
     </a:lvl8pPr>
-    <a:lvl9pPr algn="l" defTabSz="457200" eaLnBrk="1" hangingPunct="1" latinLnBrk="0" marL="3657600" rtl="0">
-      <a:defRPr kern="1200" sz="1800">
+    <a:lvl9pPr marL="3657600" algn="l" defTabSz="457200" rtl="0" eaLnBrk="1" latinLnBrk="0" hangingPunct="1">
+      <a:defRPr sz="1800" kern="1200">
         <a:solidFill>
           <a:schemeClr val="tx1"/>
         </a:solidFill>
@@ -323,7 +324,7 @@
           <a:p>
             <a:fld id="{241EB5C9-1307-BA42-ABA2-0BC069CD8E7F}" type="datetimeFigureOut">
               <a:rPr lang="en-US" smtClean="0"/>
-              <a:t>1/2/22</a:t>
+              <a:t>7/21/24</a:t>
             </a:fld>
             <a:endParaRPr lang="en-US"/>
           </a:p>
@@ -491,7 +492,7 @@
           <a:p>
             <a:fld id="{241EB5C9-1307-BA42-ABA2-0BC069CD8E7F}" type="datetimeFigureOut">
               <a:rPr lang="en-US" smtClean="0"/>
-              <a:t>1/2/22</a:t>
+              <a:t>7/21/24</a:t>
             </a:fld>
             <a:endParaRPr lang="en-US"/>
           </a:p>
@@ -669,7 +670,7 @@
           <a:p>
             <a:fld id="{241EB5C9-1307-BA42-ABA2-0BC069CD8E7F}" type="datetimeFigureOut">
               <a:rPr lang="en-US" smtClean="0"/>
-              <a:t>1/2/22</a:t>
+              <a:t>7/21/24</a:t>
             </a:fld>
             <a:endParaRPr lang="en-US"/>
           </a:p>
@@ -837,7 +838,7 @@
           <a:p>
             <a:fld id="{241EB5C9-1307-BA42-ABA2-0BC069CD8E7F}" type="datetimeFigureOut">
               <a:rPr lang="en-US" smtClean="0"/>
-              <a:t>1/2/22</a:t>
+              <a:t>7/21/24</a:t>
             </a:fld>
             <a:endParaRPr lang="en-US"/>
           </a:p>
@@ -1082,7 +1083,7 @@
           <a:p>
             <a:fld id="{241EB5C9-1307-BA42-ABA2-0BC069CD8E7F}" type="datetimeFigureOut">
               <a:rPr lang="en-US" smtClean="0"/>
-              <a:t>1/2/22</a:t>
+              <a:t>7/21/24</a:t>
             </a:fld>
             <a:endParaRPr lang="en-US"/>
           </a:p>
@@ -1367,7 +1368,7 @@
           <a:p>
             <a:fld id="{241EB5C9-1307-BA42-ABA2-0BC069CD8E7F}" type="datetimeFigureOut">
               <a:rPr lang="en-US" smtClean="0"/>
-              <a:t>1/2/22</a:t>
+              <a:t>7/21/24</a:t>
             </a:fld>
             <a:endParaRPr lang="en-US"/>
           </a:p>
@@ -1786,7 +1787,7 @@
           <a:p>
             <a:fld id="{241EB5C9-1307-BA42-ABA2-0BC069CD8E7F}" type="datetimeFigureOut">
               <a:rPr lang="en-US" smtClean="0"/>
-              <a:t>1/2/22</a:t>
+              <a:t>7/21/24</a:t>
             </a:fld>
             <a:endParaRPr lang="en-US"/>
           </a:p>
@@ -1903,7 +1904,7 @@
           <a:p>
             <a:fld id="{241EB5C9-1307-BA42-ABA2-0BC069CD8E7F}" type="datetimeFigureOut">
               <a:rPr lang="en-US" smtClean="0"/>
-              <a:t>1/2/22</a:t>
+              <a:t>7/21/24</a:t>
             </a:fld>
             <a:endParaRPr lang="en-US"/>
           </a:p>
@@ -1998,7 +1999,7 @@
           <a:p>
             <a:fld id="{241EB5C9-1307-BA42-ABA2-0BC069CD8E7F}" type="datetimeFigureOut">
               <a:rPr lang="en-US" smtClean="0"/>
-              <a:t>1/2/22</a:t>
+              <a:t>7/21/24</a:t>
             </a:fld>
             <a:endParaRPr lang="en-US"/>
           </a:p>
@@ -2273,7 +2274,7 @@
           <a:p>
             <a:fld id="{241EB5C9-1307-BA42-ABA2-0BC069CD8E7F}" type="datetimeFigureOut">
               <a:rPr lang="en-US" smtClean="0"/>
-              <a:t>1/2/22</a:t>
+              <a:t>7/21/24</a:t>
             </a:fld>
             <a:endParaRPr lang="en-US"/>
           </a:p>
@@ -2525,7 +2526,7 @@
           <a:p>
             <a:fld id="{241EB5C9-1307-BA42-ABA2-0BC069CD8E7F}" type="datetimeFigureOut">
               <a:rPr lang="en-US" smtClean="0"/>
-              <a:t>1/2/22</a:t>
+              <a:t>7/21/24</a:t>
             </a:fld>
             <a:endParaRPr lang="en-US"/>
           </a:p>
@@ -2587,7 +2588,7 @@
 </file>
 
 <file path=ppt/slideMasters/slideMaster1.xml><?xml version="1.0" encoding="utf-8"?>
-<p:sldMaster xmlns:a="http://schemas.openxmlformats.org/drawingml/2006/main" xmlns:p="http://schemas.openxmlformats.org/presentationml/2006/main" xmlns:r="http://schemas.openxmlformats.org/officeDocument/2006/relationships">
+<p:sldMaster xmlns:a="http://schemas.openxmlformats.org/drawingml/2006/main" xmlns:r="http://schemas.openxmlformats.org/officeDocument/2006/relationships" xmlns:p="http://schemas.openxmlformats.org/presentationml/2006/main">
   <p:cSld>
     <p:bg>
       <p:bgRef idx="1001">
@@ -2628,7 +2629,7 @@
           </a:prstGeom>
         </p:spPr>
         <p:txBody>
-          <a:bodyPr anchor="ctr" bIns="45720" lIns="91440" rIns="91440" rtlCol="0" tIns="45720" vert="horz">
+          <a:bodyPr vert="horz" lIns="91440" tIns="45720" rIns="91440" bIns="45720" rtlCol="0" anchor="ctr">
             <a:normAutofit/>
           </a:bodyPr>
           <a:lstStyle/>
@@ -2647,7 +2648,7 @@
             <a:spLocks noGrp="1"/>
           </p:cNvSpPr>
           <p:nvPr>
-            <p:ph idx="1" type="body"/>
+            <p:ph type="body" idx="1"/>
           </p:nvPr>
         </p:nvSpPr>
         <p:spPr>
@@ -2660,7 +2661,7 @@
           </a:prstGeom>
         </p:spPr>
         <p:txBody>
-          <a:bodyPr bIns="45720" lIns="91440" rIns="91440" rtlCol="0" tIns="45720" vert="horz">
+          <a:bodyPr vert="horz" lIns="91440" tIns="45720" rIns="91440" bIns="45720" rtlCol="0">
             <a:normAutofit/>
           </a:bodyPr>
           <a:lstStyle/>
@@ -2708,7 +2709,7 @@
             <a:spLocks noGrp="1"/>
           </p:cNvSpPr>
           <p:nvPr>
-            <p:ph idx="2" sz="half" type="dt"/>
+            <p:ph type="dt" sz="half" idx="2"/>
           </p:nvPr>
         </p:nvSpPr>
         <p:spPr>
@@ -2721,7 +2722,7 @@
           </a:prstGeom>
         </p:spPr>
         <p:txBody>
-          <a:bodyPr anchor="ctr" bIns="45720" lIns="91440" rIns="91440" rtlCol="0" tIns="45720" vert="horz"/>
+          <a:bodyPr vert="horz" lIns="91440" tIns="45720" rIns="91440" bIns="45720" rtlCol="0" anchor="ctr"/>
           <a:lstStyle>
             <a:lvl1pPr algn="l">
               <a:defRPr sz="900">
@@ -2736,7 +2737,7 @@
           <a:p>
             <a:fld id="{241EB5C9-1307-BA42-ABA2-0BC069CD8E7F}" type="datetimeFigureOut">
               <a:rPr lang="en-US" smtClean="0"/>
-              <a:t>1/2/22</a:t>
+              <a:t>7/21/24</a:t>
             </a:fld>
             <a:endParaRPr lang="en-US"/>
           </a:p>
@@ -2749,7 +2750,7 @@
             <a:spLocks noGrp="1"/>
           </p:cNvSpPr>
           <p:nvPr>
-            <p:ph idx="3" sz="quarter" type="ftr"/>
+            <p:ph type="ftr" sz="quarter" idx="3"/>
           </p:nvPr>
         </p:nvSpPr>
         <p:spPr>
@@ -2762,7 +2763,7 @@
           </a:prstGeom>
         </p:spPr>
         <p:txBody>
-          <a:bodyPr anchor="ctr" bIns="45720" lIns="91440" rIns="91440" rtlCol="0" tIns="45720" vert="horz"/>
+          <a:bodyPr vert="horz" lIns="91440" tIns="45720" rIns="91440" bIns="45720" rtlCol="0" anchor="ctr"/>
           <a:lstStyle>
             <a:lvl1pPr algn="ctr">
               <a:defRPr sz="900">
@@ -2786,7 +2787,7 @@
             <a:spLocks noGrp="1"/>
           </p:cNvSpPr>
           <p:nvPr>
-            <p:ph idx="4" sz="quarter" type="sldNum"/>
+            <p:ph type="sldNum" sz="quarter" idx="4"/>
           </p:nvPr>
         </p:nvSpPr>
         <p:spPr>
@@ -2799,7 +2800,7 @@
           </a:prstGeom>
         </p:spPr>
         <p:txBody>
-          <a:bodyPr anchor="ctr" bIns="45720" lIns="91440" rIns="91440" rtlCol="0" tIns="45720" vert="horz"/>
+          <a:bodyPr vert="horz" lIns="91440" tIns="45720" rIns="91440" bIns="45720" rtlCol="0" anchor="ctr"/>
           <a:lstStyle>
             <a:lvl1pPr algn="r">
               <a:defRPr sz="900">
@@ -2827,7 +2828,7 @@
       </p:ext>
     </p:extLst>
   </p:cSld>
-  <p:clrMap accent1="accent1" accent2="accent2" accent3="accent3" accent4="accent4" accent5="accent5" accent6="accent6" bg1="lt1" bg2="lt2" folHlink="folHlink" hlink="hlink" tx1="dk1" tx2="dk2"/>
+  <p:clrMap bg1="lt1" tx1="dk1" bg2="lt2" tx2="dk2" accent1="accent1" accent2="accent2" accent3="accent3" accent4="accent4" accent5="accent5" accent6="accent6" hlink="hlink" folHlink="folHlink"/>
   <p:sldLayoutIdLst>
     <p:sldLayoutId id="2147483649" r:id="rId1"/>
     <p:sldLayoutId id="2147483650" r:id="rId2"/>
@@ -2843,12 +2844,12 @@
   </p:sldLayoutIdLst>
   <p:txStyles>
     <p:titleStyle>
-      <a:lvl1pPr algn="ctr" defTabSz="342900" eaLnBrk="1" hangingPunct="1" latinLnBrk="0" rtl="0">
+      <a:lvl1pPr algn="ctr" defTabSz="342900" rtl="0" eaLnBrk="1" latinLnBrk="0" hangingPunct="1">
         <a:spcBef>
           <a:spcPct val="0"/>
         </a:spcBef>
         <a:buNone/>
-        <a:defRPr kern="1200" sz="3300">
+        <a:defRPr sz="3300" kern="1200">
           <a:solidFill>
             <a:schemeClr val="tx1"/>
           </a:solidFill>
@@ -2859,13 +2860,13 @@
       </a:lvl1pPr>
     </p:titleStyle>
     <p:bodyStyle>
-      <a:lvl1pPr algn="l" defTabSz="342900" eaLnBrk="1" hangingPunct="1" indent="-342900" latinLnBrk="0" marL="342900" rtl="0">
+      <a:lvl1pPr marL="342900" indent="-342900" algn="l" defTabSz="342900" rtl="0" eaLnBrk="1" latinLnBrk="0" hangingPunct="1">
         <a:spcBef>
           <a:spcPct val="20000"/>
         </a:spcBef>
         <a:buFont typeface="Arial"/>
         <a:buChar char="•"/>
-        <a:defRPr kern="1200" sz="2400">
+        <a:defRPr sz="2400" kern="1200">
           <a:solidFill>
             <a:schemeClr val="tx1"/>
           </a:solidFill>
@@ -2874,13 +2875,13 @@
           <a:cs typeface="+mn-cs"/>
         </a:defRPr>
       </a:lvl1pPr>
-      <a:lvl2pPr algn="l" defTabSz="342900" eaLnBrk="1" hangingPunct="1" indent="-342900" latinLnBrk="0" marL="685800" rtl="0">
+      <a:lvl2pPr marL="685800" indent="-342900" algn="l" defTabSz="342900" rtl="0" eaLnBrk="1" latinLnBrk="0" hangingPunct="1">
         <a:spcBef>
           <a:spcPct val="20000"/>
         </a:spcBef>
         <a:buFont typeface="Arial"/>
         <a:buChar char="–"/>
-        <a:defRPr kern="1200" sz="2100">
+        <a:defRPr sz="2100" kern="1200">
           <a:solidFill>
             <a:schemeClr val="tx1"/>
           </a:solidFill>
@@ -2889,13 +2890,13 @@
           <a:cs typeface="+mn-cs"/>
         </a:defRPr>
       </a:lvl2pPr>
-      <a:lvl3pPr algn="l" defTabSz="342900" eaLnBrk="1" hangingPunct="1" indent="-342900" latinLnBrk="0" marL="1028700" rtl="0">
+      <a:lvl3pPr marL="1028700" indent="-342900" algn="l" defTabSz="342900" rtl="0" eaLnBrk="1" latinLnBrk="0" hangingPunct="1">
         <a:spcBef>
           <a:spcPct val="20000"/>
         </a:spcBef>
         <a:buFont typeface="Arial"/>
         <a:buChar char="•"/>
-        <a:defRPr kern="1200" sz="1800">
+        <a:defRPr sz="1800" kern="1200">
           <a:solidFill>
             <a:schemeClr val="tx1"/>
           </a:solidFill>
@@ -2904,13 +2905,13 @@
           <a:cs typeface="+mn-cs"/>
         </a:defRPr>
       </a:lvl3pPr>
-      <a:lvl4pPr algn="l" defTabSz="342900" eaLnBrk="1" hangingPunct="1" indent="-342900" latinLnBrk="0" marL="1371600" rtl="0">
+      <a:lvl4pPr marL="1371600" indent="-342900" algn="l" defTabSz="342900" rtl="0" eaLnBrk="1" latinLnBrk="0" hangingPunct="1">
         <a:spcBef>
           <a:spcPct val="20000"/>
         </a:spcBef>
         <a:buFont typeface="Arial"/>
         <a:buChar char="–"/>
-        <a:defRPr kern="1200" sz="1500">
+        <a:defRPr sz="1500" kern="1200">
           <a:solidFill>
             <a:schemeClr val="tx1"/>
           </a:solidFill>
@@ -2919,13 +2920,13 @@
           <a:cs typeface="+mn-cs"/>
         </a:defRPr>
       </a:lvl4pPr>
-      <a:lvl5pPr algn="l" defTabSz="342900" eaLnBrk="1" hangingPunct="1" indent="-342900" latinLnBrk="0" marL="1714500" rtl="0">
+      <a:lvl5pPr marL="1714500" indent="-342900" algn="l" defTabSz="342900" rtl="0" eaLnBrk="1" latinLnBrk="0" hangingPunct="1">
         <a:spcBef>
           <a:spcPct val="20000"/>
         </a:spcBef>
         <a:buFont typeface="Arial"/>
         <a:buChar char="»"/>
-        <a:defRPr kern="1200" sz="1500">
+        <a:defRPr sz="1500" kern="1200">
           <a:solidFill>
             <a:schemeClr val="tx1"/>
           </a:solidFill>
@@ -2934,13 +2935,13 @@
           <a:cs typeface="+mn-cs"/>
         </a:defRPr>
       </a:lvl5pPr>
-      <a:lvl6pPr algn="l" defTabSz="342900" eaLnBrk="1" hangingPunct="1" indent="-342900" latinLnBrk="0" marL="2057400" rtl="0">
+      <a:lvl6pPr marL="2057400" indent="-342900" algn="l" defTabSz="342900" rtl="0" eaLnBrk="1" latinLnBrk="0" hangingPunct="1">
         <a:spcBef>
           <a:spcPct val="20000"/>
         </a:spcBef>
         <a:buFont typeface="Arial"/>
         <a:buChar char="•"/>
-        <a:defRPr kern="1200" sz="1500">
+        <a:defRPr sz="1500" kern="1200">
           <a:solidFill>
             <a:schemeClr val="tx1"/>
           </a:solidFill>
@@ -2949,13 +2950,13 @@
           <a:cs typeface="+mn-cs"/>
         </a:defRPr>
       </a:lvl6pPr>
-      <a:lvl7pPr algn="l" defTabSz="342900" eaLnBrk="1" hangingPunct="1" indent="-342900" latinLnBrk="0" marL="2400300" rtl="0">
+      <a:lvl7pPr marL="2400300" indent="-342900" algn="l" defTabSz="342900" rtl="0" eaLnBrk="1" latinLnBrk="0" hangingPunct="1">
         <a:spcBef>
           <a:spcPct val="20000"/>
         </a:spcBef>
         <a:buFont typeface="Arial"/>
         <a:buChar char="•"/>
-        <a:defRPr kern="1200" sz="1500">
+        <a:defRPr sz="1500" kern="1200">
           <a:solidFill>
             <a:schemeClr val="tx1"/>
           </a:solidFill>
@@ -2964,13 +2965,13 @@
           <a:cs typeface="+mn-cs"/>
         </a:defRPr>
       </a:lvl7pPr>
-      <a:lvl8pPr algn="l" defTabSz="342900" eaLnBrk="1" hangingPunct="1" indent="-342900" latinLnBrk="0" marL="2743200" rtl="0">
+      <a:lvl8pPr marL="2743200" indent="-342900" algn="l" defTabSz="342900" rtl="0" eaLnBrk="1" latinLnBrk="0" hangingPunct="1">
         <a:spcBef>
           <a:spcPct val="20000"/>
         </a:spcBef>
         <a:buFont typeface="Arial"/>
         <a:buChar char="•"/>
-        <a:defRPr kern="1200" sz="1500">
+        <a:defRPr sz="1500" kern="1200">
           <a:solidFill>
             <a:schemeClr val="tx1"/>
           </a:solidFill>
@@ -2979,13 +2980,13 @@
           <a:cs typeface="+mn-cs"/>
         </a:defRPr>
       </a:lvl8pPr>
-      <a:lvl9pPr algn="l" defTabSz="342900" eaLnBrk="1" hangingPunct="1" indent="-342900" latinLnBrk="0" marL="3086100" rtl="0">
+      <a:lvl9pPr marL="3086100" indent="-342900" algn="l" defTabSz="342900" rtl="0" eaLnBrk="1" latinLnBrk="0" hangingPunct="1">
         <a:spcBef>
           <a:spcPct val="20000"/>
         </a:spcBef>
         <a:buFont typeface="Arial"/>
         <a:buChar char="•"/>
-        <a:defRPr kern="1200" sz="1500">
+        <a:defRPr sz="1500" kern="1200">
           <a:solidFill>
             <a:schemeClr val="tx1"/>
           </a:solidFill>
@@ -2999,8 +3000,8 @@
       <a:defPPr>
         <a:defRPr lang="en-US"/>
       </a:defPPr>
-      <a:lvl1pPr algn="l" defTabSz="342900" eaLnBrk="1" hangingPunct="1" latinLnBrk="0" marL="0" rtl="0">
-        <a:defRPr kern="1200" sz="1350">
+      <a:lvl1pPr marL="0" algn="l" defTabSz="342900" rtl="0" eaLnBrk="1" latinLnBrk="0" hangingPunct="1">
+        <a:defRPr sz="1350" kern="1200">
           <a:solidFill>
             <a:schemeClr val="tx1"/>
           </a:solidFill>
@@ -3009,8 +3010,8 @@
           <a:cs typeface="+mn-cs"/>
         </a:defRPr>
       </a:lvl1pPr>
-      <a:lvl2pPr algn="l" defTabSz="342900" eaLnBrk="1" hangingPunct="1" latinLnBrk="0" marL="342900" rtl="0">
-        <a:defRPr kern="1200" sz="1350">
+      <a:lvl2pPr marL="342900" algn="l" defTabSz="342900" rtl="0" eaLnBrk="1" latinLnBrk="0" hangingPunct="1">
+        <a:defRPr sz="1350" kern="1200">
           <a:solidFill>
             <a:schemeClr val="tx1"/>
           </a:solidFill>
@@ -3019,8 +3020,8 @@
           <a:cs typeface="+mn-cs"/>
         </a:defRPr>
       </a:lvl2pPr>
-      <a:lvl3pPr algn="l" defTabSz="342900" eaLnBrk="1" hangingPunct="1" latinLnBrk="0" marL="685800" rtl="0">
-        <a:defRPr kern="1200" sz="1350">
+      <a:lvl3pPr marL="685800" algn="l" defTabSz="342900" rtl="0" eaLnBrk="1" latinLnBrk="0" hangingPunct="1">
+        <a:defRPr sz="1350" kern="1200">
           <a:solidFill>
             <a:schemeClr val="tx1"/>
           </a:solidFill>
@@ -3029,8 +3030,8 @@
           <a:cs typeface="+mn-cs"/>
         </a:defRPr>
       </a:lvl3pPr>
-      <a:lvl4pPr algn="l" defTabSz="342900" eaLnBrk="1" hangingPunct="1" latinLnBrk="0" marL="1028700" rtl="0">
-        <a:defRPr kern="1200" sz="1350">
+      <a:lvl4pPr marL="1028700" algn="l" defTabSz="342900" rtl="0" eaLnBrk="1" latinLnBrk="0" hangingPunct="1">
+        <a:defRPr sz="1350" kern="1200">
           <a:solidFill>
             <a:schemeClr val="tx1"/>
           </a:solidFill>
@@ -3039,8 +3040,8 @@
           <a:cs typeface="+mn-cs"/>
         </a:defRPr>
       </a:lvl4pPr>
-      <a:lvl5pPr algn="l" defTabSz="342900" eaLnBrk="1" hangingPunct="1" latinLnBrk="0" marL="1371600" rtl="0">
-        <a:defRPr kern="1200" sz="1350">
+      <a:lvl5pPr marL="1371600" algn="l" defTabSz="342900" rtl="0" eaLnBrk="1" latinLnBrk="0" hangingPunct="1">
+        <a:defRPr sz="1350" kern="1200">
           <a:solidFill>
             <a:schemeClr val="tx1"/>
           </a:solidFill>
@@ -3049,8 +3050,8 @@
           <a:cs typeface="+mn-cs"/>
         </a:defRPr>
       </a:lvl5pPr>
-      <a:lvl6pPr algn="l" defTabSz="342900" eaLnBrk="1" hangingPunct="1" latinLnBrk="0" marL="1714500" rtl="0">
-        <a:defRPr kern="1200" sz="1350">
+      <a:lvl6pPr marL="1714500" algn="l" defTabSz="342900" rtl="0" eaLnBrk="1" latinLnBrk="0" hangingPunct="1">
+        <a:defRPr sz="1350" kern="1200">
           <a:solidFill>
             <a:schemeClr val="tx1"/>
           </a:solidFill>
@@ -3059,8 +3060,8 @@
           <a:cs typeface="+mn-cs"/>
         </a:defRPr>
       </a:lvl6pPr>
-      <a:lvl7pPr algn="l" defTabSz="342900" eaLnBrk="1" hangingPunct="1" latinLnBrk="0" marL="2057400" rtl="0">
-        <a:defRPr kern="1200" sz="1350">
+      <a:lvl7pPr marL="2057400" algn="l" defTabSz="342900" rtl="0" eaLnBrk="1" latinLnBrk="0" hangingPunct="1">
+        <a:defRPr sz="1350" kern="1200">
           <a:solidFill>
             <a:schemeClr val="tx1"/>
           </a:solidFill>
@@ -3069,8 +3070,8 @@
           <a:cs typeface="+mn-cs"/>
         </a:defRPr>
       </a:lvl7pPr>
-      <a:lvl8pPr algn="l" defTabSz="342900" eaLnBrk="1" hangingPunct="1" latinLnBrk="0" marL="2400300" rtl="0">
-        <a:defRPr kern="1200" sz="1350">
+      <a:lvl8pPr marL="2400300" algn="l" defTabSz="342900" rtl="0" eaLnBrk="1" latinLnBrk="0" hangingPunct="1">
+        <a:defRPr sz="1350" kern="1200">
           <a:solidFill>
             <a:schemeClr val="tx1"/>
           </a:solidFill>
@@ -3079,8 +3080,8 @@
           <a:cs typeface="+mn-cs"/>
         </a:defRPr>
       </a:lvl8pPr>
-      <a:lvl9pPr algn="l" defTabSz="342900" eaLnBrk="1" hangingPunct="1" latinLnBrk="0" marL="2743200" rtl="0">
-        <a:defRPr kern="1200" sz="1350">
+      <a:lvl9pPr marL="2743200" algn="l" defTabSz="342900" rtl="0" eaLnBrk="1" latinLnBrk="0" hangingPunct="1">
+        <a:defRPr sz="1350" kern="1200">
           <a:solidFill>
             <a:schemeClr val="tx1"/>
           </a:solidFill>
@@ -3131,11 +3132,10 @@
           <a:bodyPr/>
           <a:lstStyle/>
           <a:p>
-            <a:pPr lvl="0" indent="0" marL="0">
+            <a:pPr marL="0" lvl="0" indent="0">
               <a:buNone/>
             </a:pPr>
             <a:r>
-              <a:rPr/>
               <a:t>R Programming for Geospatial Applications</a:t>
             </a:r>
           </a:p>
@@ -3148,7 +3148,7 @@
             <a:spLocks noGrp="1"/>
           </p:cNvSpPr>
           <p:nvPr>
-            <p:ph idx="1" type="subTitle"/>
+            <p:ph type="subTitle" idx="1"/>
           </p:nvPr>
         </p:nvSpPr>
         <p:spPr>
@@ -3161,11 +3161,12 @@
           <a:bodyPr/>
           <a:lstStyle/>
           <a:p>
-            <a:pPr lvl="0" indent="0" marL="0">
+            <a:pPr marL="0" lvl="0" indent="0">
               <a:buNone/>
             </a:pPr>
             <a:br/>
             <a:br/>
+            <a:endParaRPr/>
           </a:p>
         </p:txBody>
       </p:sp>
@@ -3176,7 +3177,7 @@
             <a:spLocks noGrp="1"/>
           </p:cNvSpPr>
           <p:nvPr>
-            <p:ph idx="10" sz="half" type="dt"/>
+            <p:ph type="dt" sz="half" idx="10"/>
           </p:nvPr>
         </p:nvSpPr>
         <p:spPr/>
@@ -3184,11 +3185,10 @@
           <a:bodyPr/>
           <a:lstStyle/>
           <a:p>
-            <a:pPr lvl="0" indent="0" marL="0">
+            <a:pPr marL="0" lvl="0" indent="0">
               <a:buNone/>
             </a:pPr>
             <a:r>
-              <a:rPr/>
               <a:t>2024-07-15</a:t>
             </a:r>
           </a:p>
@@ -3196,6 +3196,9 @@
       </p:sp>
     </p:spTree>
   </p:cSld>
+  <p:clrMapOvr>
+    <a:masterClrMapping/>
+  </p:clrMapOvr>
 </p:sld>
 </file>
 
@@ -3226,6 +3229,107 @@
             <p:ph type="title"/>
           </p:nvPr>
         </p:nvSpPr>
+        <p:spPr/>
+        <p:txBody>
+          <a:bodyPr/>
+          <a:lstStyle/>
+          <a:p>
+            <a:pPr marL="0" lvl="0" indent="0">
+              <a:buNone/>
+            </a:pPr>
+            <a:r>
+              <a:t>Outline</a:t>
+            </a:r>
+          </a:p>
+        </p:txBody>
+      </p:sp>
+      <p:sp>
+        <p:nvSpPr>
+          <p:cNvPr id="3" name="Content Placeholder 2"/>
+          <p:cNvSpPr>
+            <a:spLocks noGrp="1"/>
+          </p:cNvSpPr>
+          <p:nvPr>
+            <p:ph idx="1"/>
+          </p:nvPr>
+        </p:nvSpPr>
+        <p:spPr/>
+        <p:txBody>
+          <a:bodyPr/>
+          <a:lstStyle/>
+          <a:p>
+            <a:pPr marL="0" lvl="0" indent="0">
+              <a:buNone/>
+            </a:pPr>
+            <a:r>
+              <a:t>Handling spatial data in R</a:t>
+            </a:r>
+          </a:p>
+          <a:p>
+            <a:pPr lvl="0"/>
+            <a:r>
+              <a:rPr i="1"/>
+              <a:t>Join tables (join table to shapefile)</a:t>
+            </a:r>
+          </a:p>
+          <a:p>
+            <a:pPr lvl="0"/>
+            <a:r>
+              <a:rPr i="1"/>
+              <a:t>Select features (select by attribute)</a:t>
+            </a:r>
+          </a:p>
+          <a:p>
+            <a:pPr lvl="0"/>
+            <a:r>
+              <a:rPr i="1"/>
+              <a:t>Buffer (shapefile), unionSpatialPolygons</a:t>
+            </a:r>
+          </a:p>
+          <a:p>
+            <a:pPr lvl="0"/>
+            <a:r>
+              <a:rPr i="1"/>
+              <a:t>Zonal statistics as table (for Raster data)</a:t>
+            </a:r>
+          </a:p>
+        </p:txBody>
+      </p:sp>
+    </p:spTree>
+  </p:cSld>
+  <p:clrMapOvr>
+    <a:masterClrMapping/>
+  </p:clrMapOvr>
+</p:sld>
+</file>
+
+<file path=ppt/slides/slide11.xml><?xml version="1.0" encoding="utf-8"?>
+<p:sld xmlns:a="http://schemas.openxmlformats.org/drawingml/2006/main" xmlns:r="http://schemas.openxmlformats.org/officeDocument/2006/relationships" xmlns:p="http://schemas.openxmlformats.org/presentationml/2006/main">
+  <p:cSld>
+    <p:spTree>
+      <p:nvGrpSpPr>
+        <p:cNvPr id="1" name=""/>
+        <p:cNvGrpSpPr/>
+        <p:nvPr/>
+      </p:nvGrpSpPr>
+      <p:grpSpPr>
+        <a:xfrm>
+          <a:off x="0" y="0"/>
+          <a:ext cx="0" cy="0"/>
+          <a:chOff x="0" y="0"/>
+          <a:chExt cx="0" cy="0"/>
+        </a:xfrm>
+      </p:grpSpPr>
+      <p:sp>
+        <p:nvSpPr>
+          <p:cNvPr id="2" name="Title 1"/>
+          <p:cNvSpPr>
+            <a:spLocks noGrp="1"/>
+          </p:cNvSpPr>
+          <p:nvPr>
+            <p:ph type="title"/>
+          </p:nvPr>
+        </p:nvSpPr>
         <p:spPr>
           <a:xfrm>
             <a:off x="457201" y="204787"/>
@@ -3236,11 +3340,10 @@
           <a:bodyPr/>
           <a:lstStyle/>
           <a:p>
-            <a:pPr lvl="0" indent="0" marL="0">
+            <a:pPr marL="0" lvl="0" indent="0">
               <a:buNone/>
             </a:pPr>
             <a:r>
-              <a:rPr/>
               <a:t>Buffer (shapefile)</a:t>
             </a:r>
           </a:p>
@@ -3253,7 +3356,7 @@
             <a:spLocks noGrp="1"/>
           </p:cNvSpPr>
           <p:nvPr>
-            <p:ph idx="2" sz="half" type="body"/>
+            <p:ph type="body" sz="half" idx="2"/>
           </p:nvPr>
         </p:nvSpPr>
         <p:spPr/>
@@ -3265,7 +3368,7 @@
               <a:buNone/>
             </a:pPr>
             <a:r>
-              <a:rPr>
+              <a:rPr dirty="0">
                 <a:solidFill>
                   <a:srgbClr val="06287E"/>
                 </a:solidFill>
@@ -3274,20 +3377,22 @@
               <a:t>library</a:t>
             </a:r>
             <a:r>
-              <a:rPr>
+              <a:rPr dirty="0">
                 <a:latin typeface="Courier"/>
               </a:rPr>
               <a:t>(terra)</a:t>
             </a:r>
-            <a:br/>
-            <a:r>
-              <a:rPr>
+            <a:br>
+              <a:rPr dirty="0"/>
+            </a:br>
+            <a:r>
+              <a:rPr dirty="0">
                 <a:latin typeface="Courier"/>
               </a:rPr>
               <a:t>dem</a:t>
             </a:r>
             <a:r>
-              <a:rPr>
+              <a:rPr dirty="0">
                 <a:solidFill>
                   <a:srgbClr val="007020"/>
                 </a:solidFill>
@@ -3296,7 +3401,7 @@
               <a:t>&lt;-</a:t>
             </a:r>
             <a:r>
-              <a:rPr>
+              <a:rPr dirty="0" err="1">
                 <a:solidFill>
                   <a:srgbClr val="06287E"/>
                 </a:solidFill>
@@ -3305,35 +3410,55 @@
               <a:t>rast</a:t>
             </a:r>
             <a:r>
-              <a:rPr>
+              <a:rPr dirty="0">
                 <a:latin typeface="Courier"/>
               </a:rPr>
               <a:t>(</a:t>
             </a:r>
             <a:r>
-              <a:rPr>
+              <a:rPr dirty="0">
                 <a:solidFill>
                   <a:srgbClr val="4070A0"/>
                 </a:solidFill>
                 <a:latin typeface="Courier"/>
               </a:rPr>
-              <a:t>'dem.tif'</a:t>
-            </a:r>
-            <a:r>
-              <a:rPr>
+              <a:t>'</a:t>
+            </a:r>
+            <a:r>
+              <a:rPr dirty="0" err="1">
+                <a:solidFill>
+                  <a:srgbClr val="4070A0"/>
+                </a:solidFill>
+                <a:latin typeface="Courier"/>
+              </a:rPr>
+              <a:t>dem.tif</a:t>
+            </a:r>
+            <a:r>
+              <a:rPr dirty="0">
+                <a:solidFill>
+                  <a:srgbClr val="4070A0"/>
+                </a:solidFill>
+                <a:latin typeface="Courier"/>
+              </a:rPr>
+              <a:t>'</a:t>
+            </a:r>
+            <a:r>
+              <a:rPr dirty="0">
                 <a:latin typeface="Courier"/>
               </a:rPr>
               <a:t>)</a:t>
             </a:r>
-            <a:br/>
-            <a:r>
-              <a:rPr>
+            <a:br>
+              <a:rPr dirty="0"/>
+            </a:br>
+            <a:r>
+              <a:rPr dirty="0">
                 <a:latin typeface="Courier"/>
               </a:rPr>
               <a:t>stream</a:t>
             </a:r>
             <a:r>
-              <a:rPr>
+              <a:rPr dirty="0">
                 <a:solidFill>
                   <a:srgbClr val="007020"/>
                 </a:solidFill>
@@ -3342,7 +3467,7 @@
               <a:t>&lt;-</a:t>
             </a:r>
             <a:r>
-              <a:rPr>
+              <a:rPr dirty="0" err="1">
                 <a:solidFill>
                   <a:srgbClr val="06287E"/>
                 </a:solidFill>
@@ -3351,22 +3476,40 @@
               <a:t>st_read</a:t>
             </a:r>
             <a:r>
-              <a:rPr>
+              <a:rPr dirty="0">
                 <a:latin typeface="Courier"/>
               </a:rPr>
               <a:t>(</a:t>
             </a:r>
             <a:r>
-              <a:rPr>
+              <a:rPr dirty="0">
                 <a:solidFill>
                   <a:srgbClr val="4070A0"/>
                 </a:solidFill>
                 <a:latin typeface="Courier"/>
               </a:rPr>
-              <a:t>'stream.shp'</a:t>
-            </a:r>
-            <a:r>
-              <a:rPr>
+              <a:t>'</a:t>
+            </a:r>
+            <a:r>
+              <a:rPr dirty="0" err="1">
+                <a:solidFill>
+                  <a:srgbClr val="4070A0"/>
+                </a:solidFill>
+                <a:latin typeface="Courier"/>
+              </a:rPr>
+              <a:t>stream.shp</a:t>
+            </a:r>
+            <a:r>
+              <a:rPr dirty="0">
+                <a:solidFill>
+                  <a:srgbClr val="4070A0"/>
+                </a:solidFill>
+                <a:latin typeface="Courier"/>
+              </a:rPr>
+              <a:t>'</a:t>
+            </a:r>
+            <a:r>
+              <a:rPr dirty="0">
                 <a:latin typeface="Courier"/>
               </a:rPr>
               <a:t>)</a:t>
@@ -3377,15 +3520,87 @@
               <a:buNone/>
             </a:pPr>
             <a:r>
-              <a:rPr>
+              <a:rPr dirty="0">
                 <a:latin typeface="Courier"/>
               </a:rPr>
               <a:t>## Reading layer `stream' from data source 
-##   `/Users/yshao/work/Geog4254-5254G/week3/stream.shp' using driver `ESRI Shapefile'
+##   `/Users/</a:t>
+            </a:r>
+            <a:r>
+              <a:rPr dirty="0" err="1">
+                <a:latin typeface="Courier"/>
+              </a:rPr>
+              <a:t>yshao</a:t>
+            </a:r>
+            <a:r>
+              <a:rPr dirty="0">
+                <a:latin typeface="Courier"/>
+              </a:rPr>
+              <a:t>/work/Geog4254-5254G/week3/</a:t>
+            </a:r>
+            <a:r>
+              <a:rPr dirty="0" err="1">
+                <a:latin typeface="Courier"/>
+              </a:rPr>
+              <a:t>stream.shp</a:t>
+            </a:r>
+            <a:r>
+              <a:rPr dirty="0">
+                <a:latin typeface="Courier"/>
+              </a:rPr>
+              <a:t>' using driver `ESRI Shapefile'
 ## Simple feature collection with 69 features and 17 fields
 ## Geometry type: LINESTRING
 ## Dimension:     XY
-## Bounding box:  xmin: 1533018 ymin: 1908419 xmax: 1570308 ymax: 1939364
+## Bounding box:  </a:t>
+            </a:r>
+            <a:r>
+              <a:rPr dirty="0" err="1">
+                <a:latin typeface="Courier"/>
+              </a:rPr>
+              <a:t>xmin</a:t>
+            </a:r>
+            <a:r>
+              <a:rPr dirty="0">
+                <a:latin typeface="Courier"/>
+              </a:rPr>
+              <a:t>: 1533018 </a:t>
+            </a:r>
+            <a:r>
+              <a:rPr dirty="0" err="1">
+                <a:latin typeface="Courier"/>
+              </a:rPr>
+              <a:t>ymin</a:t>
+            </a:r>
+            <a:r>
+              <a:rPr dirty="0">
+                <a:latin typeface="Courier"/>
+              </a:rPr>
+              <a:t>: 1908419 </a:t>
+            </a:r>
+            <a:r>
+              <a:rPr dirty="0" err="1">
+                <a:latin typeface="Courier"/>
+              </a:rPr>
+              <a:t>xmax</a:t>
+            </a:r>
+            <a:r>
+              <a:rPr dirty="0">
+                <a:latin typeface="Courier"/>
+              </a:rPr>
+              <a:t>: 1570308 </a:t>
+            </a:r>
+            <a:r>
+              <a:rPr dirty="0" err="1">
+                <a:latin typeface="Courier"/>
+              </a:rPr>
+              <a:t>ymax</a:t>
+            </a:r>
+            <a:r>
+              <a:rPr dirty="0">
+                <a:latin typeface="Courier"/>
+              </a:rPr>
+              <a:t>: 1939364
 ## Projected CRS: NAD_1983_Albers</a:t>
             </a:r>
           </a:p>
@@ -3394,7 +3609,7 @@
               <a:buNone/>
             </a:pPr>
             <a:r>
-              <a:rPr>
+              <a:rPr dirty="0">
                 <a:solidFill>
                   <a:srgbClr val="06287E"/>
                 </a:solidFill>
@@ -3403,14 +3618,16 @@
               <a:t>plot</a:t>
             </a:r>
             <a:r>
-              <a:rPr>
+              <a:rPr dirty="0">
                 <a:latin typeface="Courier"/>
               </a:rPr>
               <a:t>(dem)</a:t>
             </a:r>
-            <a:br/>
-            <a:r>
-              <a:rPr>
+            <a:br>
+              <a:rPr dirty="0"/>
+            </a:br>
+            <a:r>
+              <a:rPr dirty="0">
                 <a:solidFill>
                   <a:srgbClr val="06287E"/>
                 </a:solidFill>
@@ -3419,22 +3636,37 @@
               <a:t>plot</a:t>
             </a:r>
             <a:r>
-              <a:rPr>
-                <a:latin typeface="Courier"/>
-              </a:rPr>
-              <a:t>(stream,</a:t>
-            </a:r>
-            <a:r>
-              <a:rPr>
+              <a:rPr dirty="0">
+                <a:latin typeface="Courier"/>
+              </a:rPr>
+              <a:t>(</a:t>
+            </a:r>
+            <a:r>
+              <a:rPr dirty="0" err="1">
+                <a:latin typeface="Courier"/>
+              </a:rPr>
+              <a:t>stream,</a:t>
+            </a:r>
+            <a:r>
+              <a:rPr dirty="0" err="1">
                 <a:solidFill>
                   <a:srgbClr val="7D9029"/>
                 </a:solidFill>
                 <a:latin typeface="Courier"/>
               </a:rPr>
-              <a:t>add=</a:t>
-            </a:r>
-            <a:r>
-              <a:rPr>
+              <a:t>add</a:t>
+            </a:r>
+            <a:r>
+              <a:rPr dirty="0">
+                <a:solidFill>
+                  <a:srgbClr val="7D9029"/>
+                </a:solidFill>
+                <a:latin typeface="Courier"/>
+              </a:rPr>
+              <a:t>=</a:t>
+            </a:r>
+            <a:r>
+              <a:rPr dirty="0">
                 <a:latin typeface="Courier"/>
               </a:rPr>
               <a:t>T)</a:t>
@@ -3444,7 +3676,7 @@
       </p:sp>
       <p:pic>
         <p:nvPicPr>
-          <p:cNvPr descr="week3_files/figure-pptx/unnamed-chunk-5-1.png" id="0" name="Picture 1"/>
+          <p:cNvPr id="3" name="Picture 1" descr="week3_files/figure-pptx/unnamed-chunk-5-1.png"/>
           <p:cNvPicPr>
             <a:picLocks noGrp="1" noChangeAspect="1"/>
           </p:cNvPicPr>
@@ -3474,10 +3706,13 @@
       </p:pic>
     </p:spTree>
   </p:cSld>
+  <p:clrMapOvr>
+    <a:masterClrMapping/>
+  </p:clrMapOvr>
 </p:sld>
 </file>
 
-<file path=ppt/slides/slide11.xml><?xml version="1.0" encoding="utf-8"?>
+<file path=ppt/slides/slide12.xml><?xml version="1.0" encoding="utf-8"?>
 <p:sld xmlns:a="http://schemas.openxmlformats.org/drawingml/2006/main" xmlns:r="http://schemas.openxmlformats.org/officeDocument/2006/relationships" xmlns:p="http://schemas.openxmlformats.org/presentationml/2006/main">
   <p:cSld>
     <p:spTree>
@@ -3514,11 +3749,10 @@
           <a:bodyPr/>
           <a:lstStyle/>
           <a:p>
-            <a:pPr lvl="0" indent="0" marL="0">
+            <a:pPr marL="0" lvl="0" indent="0">
               <a:buNone/>
             </a:pPr>
             <a:r>
-              <a:rPr/>
               <a:t>Add 90m buffer</a:t>
             </a:r>
           </a:p>
@@ -3531,7 +3765,7 @@
             <a:spLocks noGrp="1"/>
           </p:cNvSpPr>
           <p:nvPr>
-            <p:ph idx="2" sz="half" type="body"/>
+            <p:ph type="body" sz="half" idx="2"/>
           </p:nvPr>
         </p:nvSpPr>
         <p:spPr/>
@@ -3734,7 +3968,7 @@
       </p:sp>
       <p:pic>
         <p:nvPicPr>
-          <p:cNvPr descr="week3_files/figure-pptx/unnamed-chunk-6-1.png" id="0" name="Picture 1"/>
+          <p:cNvPr id="3" name="Picture 1" descr="week3_files/figure-pptx/unnamed-chunk-6-1.png"/>
           <p:cNvPicPr>
             <a:picLocks noGrp="1" noChangeAspect="1"/>
           </p:cNvPicPr>
@@ -3764,10 +3998,13 @@
       </p:pic>
     </p:spTree>
   </p:cSld>
+  <p:clrMapOvr>
+    <a:masterClrMapping/>
+  </p:clrMapOvr>
 </p:sld>
 </file>
 
-<file path=ppt/slides/slide12.xml><?xml version="1.0" encoding="utf-8"?>
+<file path=ppt/slides/slide13.xml><?xml version="1.0" encoding="utf-8"?>
 <p:sld xmlns:a="http://schemas.openxmlformats.org/drawingml/2006/main" xmlns:r="http://schemas.openxmlformats.org/officeDocument/2006/relationships" xmlns:p="http://schemas.openxmlformats.org/presentationml/2006/main">
   <p:cSld>
     <p:spTree>
@@ -3804,11 +4041,10 @@
           <a:bodyPr/>
           <a:lstStyle/>
           <a:p>
-            <a:pPr lvl="0" indent="0" marL="0">
+            <a:pPr marL="0" lvl="0" indent="0">
               <a:buNone/>
             </a:pPr>
             <a:r>
-              <a:rPr/>
               <a:t>Vary buffer size based on stream attribute</a:t>
             </a:r>
           </a:p>
@@ -3821,7 +4057,7 @@
             <a:spLocks noGrp="1"/>
           </p:cNvSpPr>
           <p:nvPr>
-            <p:ph idx="2" sz="half" type="body"/>
+            <p:ph type="body" sz="half" idx="2"/>
           </p:nvPr>
         </p:nvSpPr>
         <p:spPr/>
@@ -4027,7 +4263,7 @@
       </p:sp>
       <p:pic>
         <p:nvPicPr>
-          <p:cNvPr descr="week3_files/figure-pptx/unnamed-chunk-7-1.png" id="0" name="Picture 1"/>
+          <p:cNvPr id="3" name="Picture 1" descr="week3_files/figure-pptx/unnamed-chunk-7-1.png"/>
           <p:cNvPicPr>
             <a:picLocks noGrp="1" noChangeAspect="1"/>
           </p:cNvPicPr>
@@ -4057,106 +4293,9 @@
       </p:pic>
     </p:spTree>
   </p:cSld>
-</p:sld>
-</file>
-
-<file path=ppt/slides/slide13.xml><?xml version="1.0" encoding="utf-8"?>
-<p:sld xmlns:a="http://schemas.openxmlformats.org/drawingml/2006/main" xmlns:r="http://schemas.openxmlformats.org/officeDocument/2006/relationships" xmlns:p="http://schemas.openxmlformats.org/presentationml/2006/main">
-  <p:cSld>
-    <p:spTree>
-      <p:nvGrpSpPr>
-        <p:cNvPr id="1" name=""/>
-        <p:cNvGrpSpPr/>
-        <p:nvPr/>
-      </p:nvGrpSpPr>
-      <p:grpSpPr>
-        <a:xfrm>
-          <a:off x="0" y="0"/>
-          <a:ext cx="0" cy="0"/>
-          <a:chOff x="0" y="0"/>
-          <a:chExt cx="0" cy="0"/>
-        </a:xfrm>
-      </p:grpSpPr>
-      <p:sp>
-        <p:nvSpPr>
-          <p:cNvPr id="2" name="Title 1"/>
-          <p:cNvSpPr>
-            <a:spLocks noGrp="1"/>
-          </p:cNvSpPr>
-          <p:nvPr>
-            <p:ph type="title"/>
-          </p:nvPr>
-        </p:nvSpPr>
-        <p:spPr/>
-        <p:txBody>
-          <a:bodyPr/>
-          <a:lstStyle/>
-          <a:p>
-            <a:pPr lvl="0" indent="0" marL="0">
-              <a:buNone/>
-            </a:pPr>
-            <a:r>
-              <a:rPr/>
-              <a:t>Outline</a:t>
-            </a:r>
-          </a:p>
-        </p:txBody>
-      </p:sp>
-      <p:sp>
-        <p:nvSpPr>
-          <p:cNvPr id="3" name="Content Placeholder 2"/>
-          <p:cNvSpPr>
-            <a:spLocks noGrp="1"/>
-          </p:cNvSpPr>
-          <p:nvPr>
-            <p:ph idx="1"/>
-          </p:nvPr>
-        </p:nvSpPr>
-        <p:spPr/>
-        <p:txBody>
-          <a:bodyPr/>
-          <a:lstStyle/>
-          <a:p>
-            <a:pPr lvl="0" indent="0" marL="0">
-              <a:buNone/>
-            </a:pPr>
-            <a:r>
-              <a:rPr/>
-              <a:t>Handling spatial data in R</a:t>
-            </a:r>
-          </a:p>
-          <a:p>
-            <a:pPr lvl="0"/>
-            <a:r>
-              <a:rPr i="1"/>
-              <a:t>Join tables (join table to shapefile)</a:t>
-            </a:r>
-          </a:p>
-          <a:p>
-            <a:pPr lvl="0"/>
-            <a:r>
-              <a:rPr i="1"/>
-              <a:t>Select features (select by attribute)</a:t>
-            </a:r>
-          </a:p>
-          <a:p>
-            <a:pPr lvl="0"/>
-            <a:r>
-              <a:rPr i="1"/>
-              <a:t>Buffer (shapefile), unionSpatialPolygons</a:t>
-            </a:r>
-          </a:p>
-          <a:p>
-            <a:pPr lvl="0"/>
-            <a:r>
-              <a:rPr i="1"/>
-              <a:t>Zonal statistics as table (for Raster data)</a:t>
-            </a:r>
-          </a:p>
-        </p:txBody>
-      </p:sp>
-    </p:spTree>
-  </p:cSld>
+  <p:clrMapOvr>
+    <a:masterClrMapping/>
+  </p:clrMapOvr>
 </p:sld>
 </file>
 
@@ -4187,6 +4326,107 @@
             <p:ph type="title"/>
           </p:nvPr>
         </p:nvSpPr>
+        <p:spPr/>
+        <p:txBody>
+          <a:bodyPr/>
+          <a:lstStyle/>
+          <a:p>
+            <a:pPr marL="0" lvl="0" indent="0">
+              <a:buNone/>
+            </a:pPr>
+            <a:r>
+              <a:t>Outline</a:t>
+            </a:r>
+          </a:p>
+        </p:txBody>
+      </p:sp>
+      <p:sp>
+        <p:nvSpPr>
+          <p:cNvPr id="3" name="Content Placeholder 2"/>
+          <p:cNvSpPr>
+            <a:spLocks noGrp="1"/>
+          </p:cNvSpPr>
+          <p:nvPr>
+            <p:ph idx="1"/>
+          </p:nvPr>
+        </p:nvSpPr>
+        <p:spPr/>
+        <p:txBody>
+          <a:bodyPr/>
+          <a:lstStyle/>
+          <a:p>
+            <a:pPr marL="0" lvl="0" indent="0">
+              <a:buNone/>
+            </a:pPr>
+            <a:r>
+              <a:t>Handling spatial data in R</a:t>
+            </a:r>
+          </a:p>
+          <a:p>
+            <a:pPr lvl="0"/>
+            <a:r>
+              <a:rPr i="1"/>
+              <a:t>Join tables (join table to shapefile)</a:t>
+            </a:r>
+          </a:p>
+          <a:p>
+            <a:pPr lvl="0"/>
+            <a:r>
+              <a:rPr i="1"/>
+              <a:t>Select features (select by attribute)</a:t>
+            </a:r>
+          </a:p>
+          <a:p>
+            <a:pPr lvl="0"/>
+            <a:r>
+              <a:rPr i="1"/>
+              <a:t>Buffer (shapefile), unionSpatialPolygons</a:t>
+            </a:r>
+          </a:p>
+          <a:p>
+            <a:pPr lvl="0"/>
+            <a:r>
+              <a:rPr i="1"/>
+              <a:t>Zonal statistics as table (for Raster data)</a:t>
+            </a:r>
+          </a:p>
+        </p:txBody>
+      </p:sp>
+    </p:spTree>
+  </p:cSld>
+  <p:clrMapOvr>
+    <a:masterClrMapping/>
+  </p:clrMapOvr>
+</p:sld>
+</file>
+
+<file path=ppt/slides/slide15.xml><?xml version="1.0" encoding="utf-8"?>
+<p:sld xmlns:a="http://schemas.openxmlformats.org/drawingml/2006/main" xmlns:r="http://schemas.openxmlformats.org/officeDocument/2006/relationships" xmlns:p="http://schemas.openxmlformats.org/presentationml/2006/main">
+  <p:cSld>
+    <p:spTree>
+      <p:nvGrpSpPr>
+        <p:cNvPr id="1" name=""/>
+        <p:cNvGrpSpPr/>
+        <p:nvPr/>
+      </p:nvGrpSpPr>
+      <p:grpSpPr>
+        <a:xfrm>
+          <a:off x="0" y="0"/>
+          <a:ext cx="0" cy="0"/>
+          <a:chOff x="0" y="0"/>
+          <a:chExt cx="0" cy="0"/>
+        </a:xfrm>
+      </p:grpSpPr>
+      <p:sp>
+        <p:nvSpPr>
+          <p:cNvPr id="2" name="Title 1"/>
+          <p:cNvSpPr>
+            <a:spLocks noGrp="1"/>
+          </p:cNvSpPr>
+          <p:nvPr>
+            <p:ph type="title"/>
+          </p:nvPr>
+        </p:nvSpPr>
         <p:spPr>
           <a:xfrm>
             <a:off x="457201" y="204787"/>
@@ -4197,11 +4437,10 @@
           <a:bodyPr/>
           <a:lstStyle/>
           <a:p>
-            <a:pPr lvl="0" indent="0" marL="0">
+            <a:pPr marL="0" lvl="0" indent="0">
               <a:buNone/>
             </a:pPr>
             <a:r>
-              <a:rPr/>
               <a:t>st_union function</a:t>
             </a:r>
           </a:p>
@@ -4214,7 +4453,7 @@
             <a:spLocks noGrp="1"/>
           </p:cNvSpPr>
           <p:nvPr>
-            <p:ph idx="2" sz="half" type="body"/>
+            <p:ph type="body" sz="half" idx="2"/>
           </p:nvPr>
         </p:nvSpPr>
         <p:spPr/>
@@ -4260,7 +4499,7 @@
       </p:sp>
       <p:pic>
         <p:nvPicPr>
-          <p:cNvPr descr="week3_files/figure-pptx/unnamed-chunk-8-1.png" id="0" name="Picture 1"/>
+          <p:cNvPr id="3" name="Picture 1" descr="week3_files/figure-pptx/unnamed-chunk-8-1.png"/>
           <p:cNvPicPr>
             <a:picLocks noGrp="1" noChangeAspect="1"/>
           </p:cNvPicPr>
@@ -4290,10 +4529,13 @@
       </p:pic>
     </p:spTree>
   </p:cSld>
+  <p:clrMapOvr>
+    <a:masterClrMapping/>
+  </p:clrMapOvr>
 </p:sld>
 </file>
 
-<file path=ppt/slides/slide15.xml><?xml version="1.0" encoding="utf-8"?>
+<file path=ppt/slides/slide16.xml><?xml version="1.0" encoding="utf-8"?>
 <p:sld xmlns:a="http://schemas.openxmlformats.org/drawingml/2006/main" xmlns:r="http://schemas.openxmlformats.org/officeDocument/2006/relationships" xmlns:p="http://schemas.openxmlformats.org/presentationml/2006/main">
   <p:cSld>
     <p:spTree>
@@ -4317,7 +4559,7 @@
             <a:spLocks noGrp="1"/>
           </p:cNvSpPr>
           <p:nvPr>
-            <p:ph idx="2" sz="half" type="body"/>
+            <p:ph type="body" sz="half" idx="2"/>
           </p:nvPr>
         </p:nvSpPr>
         <p:spPr/>
@@ -4325,9 +4567,10 @@
           <a:bodyPr/>
           <a:lstStyle/>
           <a:p>
-            <a:pPr lvl="0" indent="0" marL="0">
+            <a:pPr marL="0" lvl="0" indent="0">
               <a:buNone/>
             </a:pPr>
+            <a:endParaRPr/>
           </a:p>
           <a:p>
             <a:pPr lvl="0" indent="0">
@@ -4400,7 +4643,7 @@
       </p:sp>
       <p:pic>
         <p:nvPicPr>
-          <p:cNvPr descr="week3_files/figure-pptx/unnamed-chunk-8-2.png" id="0" name="Picture 1"/>
+          <p:cNvPr id="2" name="Picture 1" descr="week3_files/figure-pptx/unnamed-chunk-8-2.png"/>
           <p:cNvPicPr>
             <a:picLocks noGrp="1" noChangeAspect="1"/>
           </p:cNvPicPr>
@@ -4430,106 +4673,9 @@
       </p:pic>
     </p:spTree>
   </p:cSld>
-</p:sld>
-</file>
-
-<file path=ppt/slides/slide16.xml><?xml version="1.0" encoding="utf-8"?>
-<p:sld xmlns:a="http://schemas.openxmlformats.org/drawingml/2006/main" xmlns:r="http://schemas.openxmlformats.org/officeDocument/2006/relationships" xmlns:p="http://schemas.openxmlformats.org/presentationml/2006/main">
-  <p:cSld>
-    <p:spTree>
-      <p:nvGrpSpPr>
-        <p:cNvPr id="1" name=""/>
-        <p:cNvGrpSpPr/>
-        <p:nvPr/>
-      </p:nvGrpSpPr>
-      <p:grpSpPr>
-        <a:xfrm>
-          <a:off x="0" y="0"/>
-          <a:ext cx="0" cy="0"/>
-          <a:chOff x="0" y="0"/>
-          <a:chExt cx="0" cy="0"/>
-        </a:xfrm>
-      </p:grpSpPr>
-      <p:sp>
-        <p:nvSpPr>
-          <p:cNvPr id="2" name="Title 1"/>
-          <p:cNvSpPr>
-            <a:spLocks noGrp="1"/>
-          </p:cNvSpPr>
-          <p:nvPr>
-            <p:ph type="title"/>
-          </p:nvPr>
-        </p:nvSpPr>
-        <p:spPr/>
-        <p:txBody>
-          <a:bodyPr/>
-          <a:lstStyle/>
-          <a:p>
-            <a:pPr lvl="0" indent="0" marL="0">
-              <a:buNone/>
-            </a:pPr>
-            <a:r>
-              <a:rPr/>
-              <a:t>Outline</a:t>
-            </a:r>
-          </a:p>
-        </p:txBody>
-      </p:sp>
-      <p:sp>
-        <p:nvSpPr>
-          <p:cNvPr id="3" name="Content Placeholder 2"/>
-          <p:cNvSpPr>
-            <a:spLocks noGrp="1"/>
-          </p:cNvSpPr>
-          <p:nvPr>
-            <p:ph idx="1"/>
-          </p:nvPr>
-        </p:nvSpPr>
-        <p:spPr/>
-        <p:txBody>
-          <a:bodyPr/>
-          <a:lstStyle/>
-          <a:p>
-            <a:pPr lvl="0" indent="0" marL="0">
-              <a:buNone/>
-            </a:pPr>
-            <a:r>
-              <a:rPr/>
-              <a:t>Handling spatial data in R</a:t>
-            </a:r>
-          </a:p>
-          <a:p>
-            <a:pPr lvl="0"/>
-            <a:r>
-              <a:rPr i="1"/>
-              <a:t>Join tables (join table to shapefile)</a:t>
-            </a:r>
-          </a:p>
-          <a:p>
-            <a:pPr lvl="0"/>
-            <a:r>
-              <a:rPr i="1"/>
-              <a:t>Select features (select by attribute)</a:t>
-            </a:r>
-          </a:p>
-          <a:p>
-            <a:pPr lvl="0"/>
-            <a:r>
-              <a:rPr i="1"/>
-              <a:t>Buffer (shapefile), unionSpatialPolygons</a:t>
-            </a:r>
-          </a:p>
-          <a:p>
-            <a:pPr lvl="0"/>
-            <a:r>
-              <a:rPr i="1"/>
-              <a:t>Zonal statistics as table (for Raster data)</a:t>
-            </a:r>
-          </a:p>
-        </p:txBody>
-      </p:sp>
-    </p:spTree>
-  </p:cSld>
+  <p:clrMapOvr>
+    <a:masterClrMapping/>
+  </p:clrMapOvr>
 </p:sld>
 </file>
 
@@ -4560,6 +4706,107 @@
             <p:ph type="title"/>
           </p:nvPr>
         </p:nvSpPr>
+        <p:spPr/>
+        <p:txBody>
+          <a:bodyPr/>
+          <a:lstStyle/>
+          <a:p>
+            <a:pPr marL="0" lvl="0" indent="0">
+              <a:buNone/>
+            </a:pPr>
+            <a:r>
+              <a:t>Outline</a:t>
+            </a:r>
+          </a:p>
+        </p:txBody>
+      </p:sp>
+      <p:sp>
+        <p:nvSpPr>
+          <p:cNvPr id="3" name="Content Placeholder 2"/>
+          <p:cNvSpPr>
+            <a:spLocks noGrp="1"/>
+          </p:cNvSpPr>
+          <p:nvPr>
+            <p:ph idx="1"/>
+          </p:nvPr>
+        </p:nvSpPr>
+        <p:spPr/>
+        <p:txBody>
+          <a:bodyPr/>
+          <a:lstStyle/>
+          <a:p>
+            <a:pPr marL="0" lvl="0" indent="0">
+              <a:buNone/>
+            </a:pPr>
+            <a:r>
+              <a:t>Handling spatial data in R</a:t>
+            </a:r>
+          </a:p>
+          <a:p>
+            <a:pPr lvl="0"/>
+            <a:r>
+              <a:rPr i="1"/>
+              <a:t>Join tables (join table to shapefile)</a:t>
+            </a:r>
+          </a:p>
+          <a:p>
+            <a:pPr lvl="0"/>
+            <a:r>
+              <a:rPr i="1"/>
+              <a:t>Select features (select by attribute)</a:t>
+            </a:r>
+          </a:p>
+          <a:p>
+            <a:pPr lvl="0"/>
+            <a:r>
+              <a:rPr i="1"/>
+              <a:t>Buffer (shapefile), unionSpatialPolygons</a:t>
+            </a:r>
+          </a:p>
+          <a:p>
+            <a:pPr lvl="0"/>
+            <a:r>
+              <a:rPr i="1"/>
+              <a:t>Zonal statistics as table (for Raster data)</a:t>
+            </a:r>
+          </a:p>
+        </p:txBody>
+      </p:sp>
+    </p:spTree>
+  </p:cSld>
+  <p:clrMapOvr>
+    <a:masterClrMapping/>
+  </p:clrMapOvr>
+</p:sld>
+</file>
+
+<file path=ppt/slides/slide18.xml><?xml version="1.0" encoding="utf-8"?>
+<p:sld xmlns:a="http://schemas.openxmlformats.org/drawingml/2006/main" xmlns:r="http://schemas.openxmlformats.org/officeDocument/2006/relationships" xmlns:p="http://schemas.openxmlformats.org/presentationml/2006/main">
+  <p:cSld>
+    <p:spTree>
+      <p:nvGrpSpPr>
+        <p:cNvPr id="1" name=""/>
+        <p:cNvGrpSpPr/>
+        <p:nvPr/>
+      </p:nvGrpSpPr>
+      <p:grpSpPr>
+        <a:xfrm>
+          <a:off x="0" y="0"/>
+          <a:ext cx="0" cy="0"/>
+          <a:chOff x="0" y="0"/>
+          <a:chExt cx="0" cy="0"/>
+        </a:xfrm>
+      </p:grpSpPr>
+      <p:sp>
+        <p:nvSpPr>
+          <p:cNvPr id="2" name="Title 1"/>
+          <p:cNvSpPr>
+            <a:spLocks noGrp="1"/>
+          </p:cNvSpPr>
+          <p:nvPr>
+            <p:ph type="title"/>
+          </p:nvPr>
+        </p:nvSpPr>
         <p:spPr>
           <a:xfrm>
             <a:off x="457201" y="204787"/>
@@ -4570,11 +4817,10 @@
           <a:bodyPr/>
           <a:lstStyle/>
           <a:p>
-            <a:pPr lvl="0" indent="0" marL="0">
+            <a:pPr marL="0" lvl="0" indent="0">
               <a:buNone/>
             </a:pPr>
             <a:r>
-              <a:rPr/>
               <a:t>Zonal stats as table</a:t>
             </a:r>
           </a:p>
@@ -4587,7 +4833,7 @@
             <a:spLocks noGrp="1"/>
           </p:cNvSpPr>
           <p:nvPr>
-            <p:ph idx="2" sz="half" type="body"/>
+            <p:ph type="body" sz="half" idx="2"/>
           </p:nvPr>
         </p:nvSpPr>
         <p:spPr/>
@@ -4595,7 +4841,7 @@
           <a:bodyPr/>
           <a:lstStyle/>
           <a:p>
-            <a:pPr lvl="0" indent="0" marL="0">
+            <a:pPr marL="0" lvl="0" indent="0">
               <a:spcBef>
                 <a:spcPts val="3000"/>
               </a:spcBef>
@@ -4607,7 +4853,7 @@
             </a:r>
           </a:p>
           <a:p>
-            <a:pPr lvl="0" indent="0" marL="0">
+            <a:pPr marL="0" lvl="0" indent="0">
               <a:spcBef>
                 <a:spcPts val="3000"/>
               </a:spcBef>
@@ -4622,7 +4868,7 @@
       </p:sp>
       <p:pic>
         <p:nvPicPr>
-          <p:cNvPr descr="ztable.png" id="0" name="Picture 1"/>
+          <p:cNvPr id="3" name="Picture 1" descr="ztable.png"/>
           <p:cNvPicPr>
             <a:picLocks noGrp="1" noChangeAspect="1"/>
           </p:cNvPicPr>
@@ -4652,10 +4898,13 @@
       </p:pic>
     </p:spTree>
   </p:cSld>
+  <p:clrMapOvr>
+    <a:masterClrMapping/>
+  </p:clrMapOvr>
 </p:sld>
 </file>
 
-<file path=ppt/slides/slide18.xml><?xml version="1.0" encoding="utf-8"?>
+<file path=ppt/slides/slide19.xml><?xml version="1.0" encoding="utf-8"?>
 <p:sld xmlns:a="http://schemas.openxmlformats.org/drawingml/2006/main" xmlns:r="http://schemas.openxmlformats.org/officeDocument/2006/relationships" xmlns:p="http://schemas.openxmlformats.org/presentationml/2006/main">
   <p:cSld>
     <p:spTree>
@@ -4692,11 +4941,10 @@
           <a:bodyPr/>
           <a:lstStyle/>
           <a:p>
-            <a:pPr lvl="0" indent="0" marL="0">
+            <a:pPr marL="0" lvl="0" indent="0">
               <a:buNone/>
             </a:pPr>
             <a:r>
-              <a:rPr/>
               <a:t>Example</a:t>
             </a:r>
           </a:p>
@@ -4709,7 +4957,7 @@
             <a:spLocks noGrp="1"/>
           </p:cNvSpPr>
           <p:nvPr>
-            <p:ph idx="2" sz="half" type="body"/>
+            <p:ph type="body" sz="half" idx="2"/>
           </p:nvPr>
         </p:nvSpPr>
         <p:spPr/>
@@ -4905,7 +5153,7 @@
       </p:sp>
       <p:pic>
         <p:nvPicPr>
-          <p:cNvPr descr="week3_files/figure-pptx/unnamed-chunk-9-1.png" id="0" name="Picture 1"/>
+          <p:cNvPr id="3" name="Picture 1" descr="week3_files/figure-pptx/unnamed-chunk-9-1.png"/>
           <p:cNvPicPr>
             <a:picLocks noGrp="1" noChangeAspect="1"/>
           </p:cNvPicPr>
@@ -4935,144 +5183,9 @@
       </p:pic>
     </p:spTree>
   </p:cSld>
-</p:sld>
-</file>
-
-<file path=ppt/slides/slide19.xml><?xml version="1.0" encoding="utf-8"?>
-<p:sld xmlns:a="http://schemas.openxmlformats.org/drawingml/2006/main" xmlns:r="http://schemas.openxmlformats.org/officeDocument/2006/relationships" xmlns:p="http://schemas.openxmlformats.org/presentationml/2006/main">
-  <p:cSld>
-    <p:spTree>
-      <p:nvGrpSpPr>
-        <p:cNvPr id="1" name=""/>
-        <p:cNvGrpSpPr/>
-        <p:nvPr/>
-      </p:nvGrpSpPr>
-      <p:grpSpPr>
-        <a:xfrm>
-          <a:off x="0" y="0"/>
-          <a:ext cx="0" cy="0"/>
-          <a:chOff x="0" y="0"/>
-          <a:chExt cx="0" cy="0"/>
-        </a:xfrm>
-      </p:grpSpPr>
-      <p:sp>
-        <p:nvSpPr>
-          <p:cNvPr id="3" name="Content Placeholder 2"/>
-          <p:cNvSpPr>
-            <a:spLocks noGrp="1"/>
-          </p:cNvSpPr>
-          <p:nvPr>
-            <p:ph idx="1"/>
-          </p:nvPr>
-        </p:nvSpPr>
-        <p:spPr/>
-        <p:txBody>
-          <a:bodyPr/>
-          <a:lstStyle/>
-          <a:p>
-            <a:pPr lvl="0" indent="0" marL="0">
-              <a:buNone/>
-            </a:pPr>
-          </a:p>
-          <a:p>
-            <a:pPr lvl="0" indent="0">
-              <a:buNone/>
-            </a:pPr>
-            <a:r>
-              <a:rPr>
-                <a:latin typeface="Courier"/>
-              </a:rPr>
-              <a:t>zonal_stats </a:t>
-            </a:r>
-            <a:r>
-              <a:rPr>
-                <a:solidFill>
-                  <a:srgbClr val="007020"/>
-                </a:solidFill>
-                <a:latin typeface="Courier"/>
-              </a:rPr>
-              <a:t>&lt;-</a:t>
-            </a:r>
-            <a:r>
-              <a:rPr>
-                <a:latin typeface="Courier"/>
-              </a:rPr>
-              <a:t> terra</a:t>
-            </a:r>
-            <a:r>
-              <a:rPr>
-                <a:solidFill>
-                  <a:srgbClr val="4070A0"/>
-                </a:solidFill>
-                <a:latin typeface="Courier"/>
-              </a:rPr>
-              <a:t>::</a:t>
-            </a:r>
-            <a:r>
-              <a:rPr>
-                <a:solidFill>
-                  <a:srgbClr val="06287E"/>
-                </a:solidFill>
-                <a:latin typeface="Courier"/>
-              </a:rPr>
-              <a:t>extract</a:t>
-            </a:r>
-            <a:r>
-              <a:rPr>
-                <a:latin typeface="Courier"/>
-              </a:rPr>
-              <a:t>(dem, watershed, </a:t>
-            </a:r>
-            <a:r>
-              <a:rPr>
-                <a:solidFill>
-                  <a:srgbClr val="7D9029"/>
-                </a:solidFill>
-                <a:latin typeface="Courier"/>
-              </a:rPr>
-              <a:t>fun =</a:t>
-            </a:r>
-            <a:r>
-              <a:rPr>
-                <a:latin typeface="Courier"/>
-              </a:rPr>
-              <a:t> mean, </a:t>
-            </a:r>
-            <a:r>
-              <a:rPr>
-                <a:solidFill>
-                  <a:srgbClr val="7D9029"/>
-                </a:solidFill>
-                <a:latin typeface="Courier"/>
-              </a:rPr>
-              <a:t>na.rm =</a:t>
-            </a:r>
-            <a:r>
-              <a:rPr>
-                <a:latin typeface="Courier"/>
-              </a:rPr>
-              <a:t> </a:t>
-            </a:r>
-            <a:r>
-              <a:rPr>
-                <a:solidFill>
-                  <a:srgbClr val="880000"/>
-                </a:solidFill>
-                <a:latin typeface="Courier"/>
-              </a:rPr>
-              <a:t>TRUE</a:t>
-            </a:r>
-            <a:r>
-              <a:rPr>
-                <a:latin typeface="Courier"/>
-              </a:rPr>
-              <a:t>)</a:t>
-            </a:r>
-          </a:p>
-        </p:txBody>
-      </p:sp>
-    </p:spTree>
-  </p:cSld>
+  <p:clrMapOvr>
+    <a:masterClrMapping/>
+  </p:clrMapOvr>
 </p:sld>
 </file>
 
@@ -5108,11 +5221,10 @@
           <a:bodyPr/>
           <a:lstStyle/>
           <a:p>
-            <a:pPr lvl="0" indent="0" marL="0">
+            <a:pPr marL="0" lvl="0" indent="0">
               <a:buNone/>
             </a:pPr>
             <a:r>
-              <a:rPr/>
               <a:t>Outline</a:t>
             </a:r>
           </a:p>
@@ -5133,11 +5245,10 @@
           <a:bodyPr/>
           <a:lstStyle/>
           <a:p>
-            <a:pPr lvl="0" indent="0" marL="0">
+            <a:pPr marL="0" lvl="0" indent="0">
               <a:buNone/>
             </a:pPr>
             <a:r>
-              <a:rPr/>
               <a:t>Handling spatial data in R</a:t>
             </a:r>
           </a:p>
@@ -5173,6 +5284,9 @@
       </p:sp>
     </p:spTree>
   </p:cSld>
+  <p:clrMapOvr>
+    <a:masterClrMapping/>
+  </p:clrMapOvr>
 </p:sld>
 </file>
 
@@ -5195,12 +5309,12 @@
       </p:grpSpPr>
       <p:sp>
         <p:nvSpPr>
-          <p:cNvPr id="2" name="Title 1"/>
-          <p:cNvSpPr>
-            <a:spLocks noGrp="1"/>
-          </p:cNvSpPr>
-          <p:nvPr>
-            <p:ph type="title"/>
+          <p:cNvPr id="3" name="Content Placeholder 2"/>
+          <p:cNvSpPr>
+            <a:spLocks noGrp="1"/>
+          </p:cNvSpPr>
+          <p:nvPr>
+            <p:ph idx="1"/>
           </p:nvPr>
         </p:nvSpPr>
         <p:spPr/>
@@ -5208,30 +5322,11 @@
           <a:bodyPr/>
           <a:lstStyle/>
           <a:p>
-            <a:pPr lvl="0" indent="0" marL="0">
+            <a:pPr marL="0" lvl="0" indent="0">
               <a:buNone/>
             </a:pPr>
-            <a:r>
-              <a:rPr/>
-              <a:t>Zonal stats (example)</a:t>
-            </a:r>
-          </a:p>
-        </p:txBody>
-      </p:sp>
-      <p:sp>
-        <p:nvSpPr>
-          <p:cNvPr id="3" name="Content Placeholder 2"/>
-          <p:cNvSpPr>
-            <a:spLocks noGrp="1"/>
-          </p:cNvSpPr>
-          <p:nvPr>
-            <p:ph idx="1"/>
-          </p:nvPr>
-        </p:nvSpPr>
-        <p:spPr/>
-        <p:txBody>
-          <a:bodyPr/>
-          <a:lstStyle/>
+            <a:endParaRPr/>
+          </a:p>
           <a:p>
             <a:pPr lvl="0" indent="0">
               <a:buNone/>
@@ -5325,45 +5420,15 @@
                 <a:latin typeface="Courier"/>
               </a:rPr>
               <a:t>)</a:t>
-            </a:r>
-            <a:br/>
-            <a:r>
-              <a:rPr>
-                <a:solidFill>
-                  <a:srgbClr val="06287E"/>
-                </a:solidFill>
-                <a:latin typeface="Courier"/>
-              </a:rPr>
-              <a:t>head</a:t>
-            </a:r>
-            <a:r>
-              <a:rPr>
-                <a:latin typeface="Courier"/>
-              </a:rPr>
-              <a:t>(zonal_stats)</a:t>
-            </a:r>
-          </a:p>
-          <a:p>
-            <a:pPr lvl="0" indent="0">
-              <a:buNone/>
-            </a:pPr>
-            <a:r>
-              <a:rPr>
-                <a:latin typeface="Courier"/>
-              </a:rPr>
-              <a:t>##   ID      dem
-## 1  1 201.4263
-## 2  2 257.2389
-## 3  3 144.3227
-## 4  4 152.8894
-## 5  5 124.1636
-## 6  6 146.2609</a:t>
             </a:r>
           </a:p>
         </p:txBody>
       </p:sp>
     </p:spTree>
   </p:cSld>
+  <p:clrMapOvr>
+    <a:masterClrMapping/>
+  </p:clrMapOvr>
 </p:sld>
 </file>
 
@@ -5399,11 +5464,10 @@
           <a:bodyPr/>
           <a:lstStyle/>
           <a:p>
-            <a:pPr lvl="0" indent="0" marL="0">
+            <a:pPr marL="0" lvl="0" indent="0">
               <a:buNone/>
             </a:pPr>
             <a:r>
-              <a:rPr/>
               <a:t>Zonal stats (example)</a:t>
             </a:r>
           </a:p>
@@ -5421,7 +5485,9 @@
         </p:nvSpPr>
         <p:spPr/>
         <p:txBody>
-          <a:bodyPr/>
+          <a:bodyPr>
+            <a:normAutofit fontScale="92500" lnSpcReduction="20000"/>
+          </a:bodyPr>
           <a:lstStyle/>
           <a:p>
             <a:pPr lvl="0" indent="0">
@@ -5431,7 +5497,7 @@
               <a:rPr>
                 <a:latin typeface="Courier"/>
               </a:rPr>
-              <a:t>watershed_dem </a:t>
+              <a:t>zonal_stats </a:t>
             </a:r>
             <a:r>
               <a:rPr>
@@ -5446,38 +5512,92 @@
               <a:rPr>
                 <a:latin typeface="Courier"/>
               </a:rPr>
+              <a:t> terra</a:t>
+            </a:r>
+            <a:r>
+              <a:rPr>
+                <a:solidFill>
+                  <a:srgbClr val="4070A0"/>
+                </a:solidFill>
+                <a:latin typeface="Courier"/>
+              </a:rPr>
+              <a:t>::</a:t>
+            </a:r>
+            <a:r>
+              <a:rPr>
+                <a:solidFill>
+                  <a:srgbClr val="06287E"/>
+                </a:solidFill>
+                <a:latin typeface="Courier"/>
+              </a:rPr>
+              <a:t>extract</a:t>
+            </a:r>
+            <a:r>
+              <a:rPr>
+                <a:latin typeface="Courier"/>
+              </a:rPr>
+              <a:t>(dem, watershed, </a:t>
+            </a:r>
+            <a:r>
+              <a:rPr>
+                <a:solidFill>
+                  <a:srgbClr val="7D9029"/>
+                </a:solidFill>
+                <a:latin typeface="Courier"/>
+              </a:rPr>
+              <a:t>fun =</a:t>
+            </a:r>
+            <a:r>
+              <a:rPr>
+                <a:latin typeface="Courier"/>
+              </a:rPr>
+              <a:t> mean, </a:t>
+            </a:r>
+            <a:r>
+              <a:rPr>
+                <a:solidFill>
+                  <a:srgbClr val="7D9029"/>
+                </a:solidFill>
+                <a:latin typeface="Courier"/>
+              </a:rPr>
+              <a:t>na.rm =</a:t>
+            </a:r>
+            <a:r>
+              <a:rPr>
+                <a:latin typeface="Courier"/>
+              </a:rPr>
               <a:t> </a:t>
             </a:r>
             <a:r>
               <a:rPr>
                 <a:solidFill>
+                  <a:srgbClr val="880000"/>
+                </a:solidFill>
+                <a:latin typeface="Courier"/>
+              </a:rPr>
+              <a:t>TRUE</a:t>
+            </a:r>
+            <a:r>
+              <a:rPr>
+                <a:latin typeface="Courier"/>
+              </a:rPr>
+              <a:t>)</a:t>
+            </a:r>
+            <a:br/>
+            <a:r>
+              <a:rPr>
+                <a:solidFill>
                   <a:srgbClr val="06287E"/>
                 </a:solidFill>
                 <a:latin typeface="Courier"/>
               </a:rPr>
-              <a:t>cbind</a:t>
-            </a:r>
-            <a:r>
-              <a:rPr>
-                <a:latin typeface="Courier"/>
-              </a:rPr>
-              <a:t>(watershed, zonal_stats)</a:t>
-            </a:r>
-            <a:br/>
-            <a:r>
-              <a:rPr>
-                <a:solidFill>
-                  <a:srgbClr val="06287E"/>
-                </a:solidFill>
-                <a:latin typeface="Courier"/>
-              </a:rPr>
               <a:t>head</a:t>
             </a:r>
             <a:r>
               <a:rPr>
                 <a:latin typeface="Courier"/>
               </a:rPr>
-              <a:t>(watershed_dem)</a:t>
+              <a:t>(zonal_stats)</a:t>
             </a:r>
           </a:p>
           <a:p>
@@ -5488,45 +5608,22 @@
               <a:rPr>
                 <a:latin typeface="Courier"/>
               </a:rPr>
-              <a:t>## Simple feature collection with 6 features and 22 fields
-## Geometry type: MULTIPOLYGON
-## Dimension:     XY
-## Bounding box:  xmin: 1547058 ymin: 1932284 xmax: 1564038 ymax: 1942124
-## Projected CRS: NAD_1983_Albers
-##   OBJECTID GRIDCODE Subbasin    Area      Slo1      Len1      Sll       Csl
-## 1        1        1        1  846.63  7.159707  7479.260 60.95703 2.8819298
-## 2        2        2        2 1275.48 11.582822  9096.427 60.95703 3.6230700
-## 3        3        3        3 1689.84  6.194226  6712.752 60.95703 1.0154209
-## 4        4        4        4  954.27  8.749758  6970.326 60.95703 1.7553535
-## 5        5        5        5  539.01  8.037927  4734.335 60.95703 1.1133784
-## 6        6        6        6 4287.33  7.089381 17598.185 60.95703 0.8703648
-##        Wid1      Dep1      Lat     Long_     Elev ElevMin ElevMax Bname
-## 1  4.647356 0.3055068 39.14776 -77.77326 204.5456     148     365  &lt;NA&gt;
-## 2  5.942838 0.3599257 39.13989 -77.79659 246.9485     148     503  &lt;NA&gt;
-## 3  7.035534 0.4027927 39.12110 -77.68260 142.4591     100     177  &lt;NA&gt;
-## 4  4.993355 0.3204881 39.11078 -77.64879 150.8887     104     235  &lt;NA&gt;
-## 5  3.544441 0.2550246 39.09038 -77.68311 123.4939      90     168  &lt;NA&gt;
-## 6 12.299908 0.5845452 39.10363 -77.73203 148.7355      92     249  &lt;NA&gt;
-##   Shape_Leng Shape_Area HydroID OutletID ID      dem
-## 1      17760    8466300  300001   100001  1 201.4263
-## 2      23100   12754800  300002   100002  2 257.2389
-## 3      24540   16898400  300003   100003  3 144.3227
-## 4      19980    9542700  300004   100004  4 152.8894
-## 5      14700    5390100  300005   100005  5 124.1636
-## 6      45000   42873300  300006   100006  6 146.2609
-##                         geometry
-## 1 MULTIPOLYGON (((1552398 193...
-## 2 MULTIPOLYGON (((1550358 193...
-## 3 MULTIPOLYGON (((1558308 193...
-## 4 MULTIPOLYGON (((1562448 193...
-## 5 MULTIPOLYGON (((1558308 193...
-## 6 MULTIPOLYGON (((1555818 193...</a:t>
+              <a:t>##   ID      dem
+## 1  1 201.4263
+## 2  2 257.2389
+## 3  3 144.3227
+## 4  4 152.8894
+## 5  5 124.1636
+## 6  6 146.2609</a:t>
             </a:r>
           </a:p>
         </p:txBody>
       </p:sp>
     </p:spTree>
   </p:cSld>
+  <p:clrMapOvr>
+    <a:masterClrMapping/>
+  </p:clrMapOvr>
 </p:sld>
 </file>
 
@@ -5557,6 +5654,377 @@
             <p:ph type="title"/>
           </p:nvPr>
         </p:nvSpPr>
+        <p:spPr/>
+        <p:txBody>
+          <a:bodyPr/>
+          <a:lstStyle/>
+          <a:p>
+            <a:pPr marL="0" lvl="0" indent="0">
+              <a:buNone/>
+            </a:pPr>
+            <a:r>
+              <a:t>Zonal stats (example)</a:t>
+            </a:r>
+          </a:p>
+        </p:txBody>
+      </p:sp>
+      <p:sp>
+        <p:nvSpPr>
+          <p:cNvPr id="3" name="Content Placeholder 2"/>
+          <p:cNvSpPr>
+            <a:spLocks noGrp="1"/>
+          </p:cNvSpPr>
+          <p:nvPr>
+            <p:ph idx="1"/>
+          </p:nvPr>
+        </p:nvSpPr>
+        <p:spPr/>
+        <p:txBody>
+          <a:bodyPr>
+            <a:normAutofit fontScale="25000" lnSpcReduction="20000"/>
+          </a:bodyPr>
+          <a:lstStyle/>
+          <a:p>
+            <a:pPr lvl="0" indent="0">
+              <a:buNone/>
+            </a:pPr>
+            <a:r>
+              <a:rPr sz="8000" dirty="0" err="1">
+                <a:solidFill>
+                  <a:srgbClr val="0070C0"/>
+                </a:solidFill>
+                <a:latin typeface="Courier"/>
+              </a:rPr>
+              <a:t>watershed_dem</a:t>
+            </a:r>
+            <a:r>
+              <a:rPr sz="8000" dirty="0">
+                <a:solidFill>
+                  <a:srgbClr val="0070C0"/>
+                </a:solidFill>
+                <a:latin typeface="Courier"/>
+              </a:rPr>
+              <a:t> &lt;- </a:t>
+            </a:r>
+            <a:r>
+              <a:rPr sz="8000" dirty="0" err="1">
+                <a:solidFill>
+                  <a:srgbClr val="0070C0"/>
+                </a:solidFill>
+                <a:latin typeface="Courier"/>
+              </a:rPr>
+              <a:t>cbind</a:t>
+            </a:r>
+            <a:r>
+              <a:rPr sz="8000" dirty="0">
+                <a:solidFill>
+                  <a:srgbClr val="0070C0"/>
+                </a:solidFill>
+                <a:latin typeface="Courier"/>
+              </a:rPr>
+              <a:t>(watershed, </a:t>
+            </a:r>
+            <a:r>
+              <a:rPr sz="8000" dirty="0" err="1">
+                <a:solidFill>
+                  <a:srgbClr val="0070C0"/>
+                </a:solidFill>
+                <a:latin typeface="Courier"/>
+              </a:rPr>
+              <a:t>zonal_stats</a:t>
+            </a:r>
+            <a:r>
+              <a:rPr sz="8000" dirty="0">
+                <a:solidFill>
+                  <a:srgbClr val="0070C0"/>
+                </a:solidFill>
+                <a:latin typeface="Courier"/>
+              </a:rPr>
+              <a:t>)</a:t>
+            </a:r>
+            <a:br>
+              <a:rPr sz="8000" dirty="0">
+                <a:solidFill>
+                  <a:srgbClr val="0070C0"/>
+                </a:solidFill>
+              </a:rPr>
+            </a:br>
+            <a:r>
+              <a:rPr sz="8000" dirty="0">
+                <a:solidFill>
+                  <a:srgbClr val="0070C0"/>
+                </a:solidFill>
+                <a:latin typeface="Courier"/>
+              </a:rPr>
+              <a:t>head(</a:t>
+            </a:r>
+            <a:r>
+              <a:rPr sz="8000" dirty="0" err="1">
+                <a:solidFill>
+                  <a:srgbClr val="0070C0"/>
+                </a:solidFill>
+                <a:latin typeface="Courier"/>
+              </a:rPr>
+              <a:t>watershed_dem</a:t>
+            </a:r>
+            <a:r>
+              <a:rPr sz="8000" dirty="0">
+                <a:solidFill>
+                  <a:srgbClr val="0070C0"/>
+                </a:solidFill>
+                <a:latin typeface="Courier"/>
+              </a:rPr>
+              <a:t>)</a:t>
+            </a:r>
+          </a:p>
+          <a:p>
+            <a:pPr lvl="0" indent="0">
+              <a:buNone/>
+            </a:pPr>
+            <a:r>
+              <a:rPr dirty="0">
+                <a:latin typeface="Courier"/>
+              </a:rPr>
+              <a:t>## Simple feature collection with 6 features and 22 fields
+## Geometry type: MULTIPOLYGON
+## Dimension:     XY
+## Bounding box:  </a:t>
+            </a:r>
+            <a:r>
+              <a:rPr dirty="0" err="1">
+                <a:latin typeface="Courier"/>
+              </a:rPr>
+              <a:t>xmin</a:t>
+            </a:r>
+            <a:r>
+              <a:rPr dirty="0">
+                <a:latin typeface="Courier"/>
+              </a:rPr>
+              <a:t>: 1547058 </a:t>
+            </a:r>
+            <a:r>
+              <a:rPr dirty="0" err="1">
+                <a:latin typeface="Courier"/>
+              </a:rPr>
+              <a:t>ymin</a:t>
+            </a:r>
+            <a:r>
+              <a:rPr dirty="0">
+                <a:latin typeface="Courier"/>
+              </a:rPr>
+              <a:t>: 1932284 </a:t>
+            </a:r>
+            <a:r>
+              <a:rPr dirty="0" err="1">
+                <a:latin typeface="Courier"/>
+              </a:rPr>
+              <a:t>xmax</a:t>
+            </a:r>
+            <a:r>
+              <a:rPr dirty="0">
+                <a:latin typeface="Courier"/>
+              </a:rPr>
+              <a:t>: 1564038 </a:t>
+            </a:r>
+            <a:r>
+              <a:rPr dirty="0" err="1">
+                <a:latin typeface="Courier"/>
+              </a:rPr>
+              <a:t>ymax</a:t>
+            </a:r>
+            <a:r>
+              <a:rPr dirty="0">
+                <a:latin typeface="Courier"/>
+              </a:rPr>
+              <a:t>: 1942124
+## Projected CRS: NAD_1983_Albers
+##   OBJECTID GRIDCODE Subbasin    Area      Slo1      Len1      </a:t>
+            </a:r>
+            <a:r>
+              <a:rPr dirty="0" err="1">
+                <a:latin typeface="Courier"/>
+              </a:rPr>
+              <a:t>Sll</a:t>
+            </a:r>
+            <a:r>
+              <a:rPr dirty="0">
+                <a:latin typeface="Courier"/>
+              </a:rPr>
+              <a:t>       </a:t>
+            </a:r>
+            <a:r>
+              <a:rPr dirty="0" err="1">
+                <a:latin typeface="Courier"/>
+              </a:rPr>
+              <a:t>Csl</a:t>
+            </a:r>
+            <a:r>
+              <a:rPr dirty="0">
+                <a:latin typeface="Courier"/>
+              </a:rPr>
+              <a:t>
+## 1        1        1        1  846.63  7.159707  7479.260 60.95703 2.8819298
+## 2        2        2        2 1275.48 11.582822  9096.427 60.95703 3.6230700
+## 3        3        3        3 1689.84  6.194226  6712.752 60.95703 1.0154209
+## 4        4        4        4  954.27  8.749758  6970.326 60.95703 1.7553535
+## 5        5        5        5  539.01  8.037927  4734.335 60.95703 1.1133784
+## 6        6        6        6 4287.33  7.089381 17598.185 60.95703 0.8703648
+##        Wid1      Dep1      Lat     Long_     </a:t>
+            </a:r>
+            <a:r>
+              <a:rPr dirty="0" err="1">
+                <a:latin typeface="Courier"/>
+              </a:rPr>
+              <a:t>Elev</a:t>
+            </a:r>
+            <a:r>
+              <a:rPr dirty="0">
+                <a:latin typeface="Courier"/>
+              </a:rPr>
+              <a:t> </a:t>
+            </a:r>
+            <a:r>
+              <a:rPr dirty="0" err="1">
+                <a:latin typeface="Courier"/>
+              </a:rPr>
+              <a:t>ElevMin</a:t>
+            </a:r>
+            <a:r>
+              <a:rPr dirty="0">
+                <a:latin typeface="Courier"/>
+              </a:rPr>
+              <a:t> </a:t>
+            </a:r>
+            <a:r>
+              <a:rPr dirty="0" err="1">
+                <a:latin typeface="Courier"/>
+              </a:rPr>
+              <a:t>ElevMax</a:t>
+            </a:r>
+            <a:r>
+              <a:rPr dirty="0">
+                <a:latin typeface="Courier"/>
+              </a:rPr>
+              <a:t> </a:t>
+            </a:r>
+            <a:r>
+              <a:rPr dirty="0" err="1">
+                <a:latin typeface="Courier"/>
+              </a:rPr>
+              <a:t>Bname</a:t>
+            </a:r>
+            <a:r>
+              <a:rPr dirty="0">
+                <a:latin typeface="Courier"/>
+              </a:rPr>
+              <a:t>
+## 1  4.647356 0.3055068 39.14776 -77.77326 204.5456     148     365  &lt;NA&gt;
+## 2  5.942838 0.3599257 39.13989 -77.79659 246.9485     148     503  &lt;NA&gt;
+## 3  7.035534 0.4027927 39.12110 -77.68260 142.4591     100     177  &lt;NA&gt;
+## 4  4.993355 0.3204881 39.11078 -77.64879 150.8887     104     235  &lt;NA&gt;
+## 5  3.544441 0.2550246 39.09038 -77.68311 123.4939      90     168  &lt;NA&gt;
+## 6 12.299908 0.5845452 39.10363 -77.73203 148.7355      92     249  &lt;NA&gt;
+##   </a:t>
+            </a:r>
+            <a:r>
+              <a:rPr dirty="0" err="1">
+                <a:latin typeface="Courier"/>
+              </a:rPr>
+              <a:t>Shape_Leng</a:t>
+            </a:r>
+            <a:r>
+              <a:rPr dirty="0">
+                <a:latin typeface="Courier"/>
+              </a:rPr>
+              <a:t> </a:t>
+            </a:r>
+            <a:r>
+              <a:rPr dirty="0" err="1">
+                <a:latin typeface="Courier"/>
+              </a:rPr>
+              <a:t>Shape_Area</a:t>
+            </a:r>
+            <a:r>
+              <a:rPr dirty="0">
+                <a:latin typeface="Courier"/>
+              </a:rPr>
+              <a:t> </a:t>
+            </a:r>
+            <a:r>
+              <a:rPr dirty="0" err="1">
+                <a:latin typeface="Courier"/>
+              </a:rPr>
+              <a:t>HydroID</a:t>
+            </a:r>
+            <a:r>
+              <a:rPr dirty="0">
+                <a:latin typeface="Courier"/>
+              </a:rPr>
+              <a:t> </a:t>
+            </a:r>
+            <a:r>
+              <a:rPr dirty="0" err="1">
+                <a:latin typeface="Courier"/>
+              </a:rPr>
+              <a:t>OutletID</a:t>
+            </a:r>
+            <a:r>
+              <a:rPr dirty="0">
+                <a:latin typeface="Courier"/>
+              </a:rPr>
+              <a:t> ID      dem
+## 1      17760    8466300  300001   100001  1 201.4263
+## 2      23100   12754800  300002   100002  2 257.2389
+## 3      24540   16898400  300003   100003  3 144.3227
+## 4      19980    9542700  300004   100004  4 152.8894
+## 5      14700    5390100  300005   100005  5 124.1636
+## 6      45000   42873300  300006   100006  6 146.2609
+##                         geometry
+## 1 MULTIPOLYGON (((1552398 193...
+## 2 MULTIPOLYGON (((1550358 193...
+## 3 MULTIPOLYGON (((1558308 193...
+## 4 MULTIPOLYGON (((1562448 193...
+## 5 MULTIPOLYGON (((1558308 193...
+## 6 MULTIPOLYGON (((1555818 193...</a:t>
+            </a:r>
+          </a:p>
+        </p:txBody>
+      </p:sp>
+    </p:spTree>
+  </p:cSld>
+  <p:clrMapOvr>
+    <a:masterClrMapping/>
+  </p:clrMapOvr>
+</p:sld>
+</file>
+
+<file path=ppt/slides/slide23.xml><?xml version="1.0" encoding="utf-8"?>
+<p:sld xmlns:a="http://schemas.openxmlformats.org/drawingml/2006/main" xmlns:r="http://schemas.openxmlformats.org/officeDocument/2006/relationships" xmlns:p="http://schemas.openxmlformats.org/presentationml/2006/main">
+  <p:cSld>
+    <p:spTree>
+      <p:nvGrpSpPr>
+        <p:cNvPr id="1" name=""/>
+        <p:cNvGrpSpPr/>
+        <p:nvPr/>
+      </p:nvGrpSpPr>
+      <p:grpSpPr>
+        <a:xfrm>
+          <a:off x="0" y="0"/>
+          <a:ext cx="0" cy="0"/>
+          <a:chOff x="0" y="0"/>
+          <a:chExt cx="0" cy="0"/>
+        </a:xfrm>
+      </p:grpSpPr>
+      <p:sp>
+        <p:nvSpPr>
+          <p:cNvPr id="2" name="Title 1"/>
+          <p:cNvSpPr>
+            <a:spLocks noGrp="1"/>
+          </p:cNvSpPr>
+          <p:nvPr>
+            <p:ph type="title"/>
+          </p:nvPr>
+        </p:nvSpPr>
         <p:spPr>
           <a:xfrm>
             <a:off x="457201" y="204787"/>
@@ -5567,11 +6035,10 @@
           <a:bodyPr/>
           <a:lstStyle/>
           <a:p>
-            <a:pPr lvl="0" indent="0" marL="0">
+            <a:pPr marL="0" lvl="0" indent="0">
               <a:buNone/>
             </a:pPr>
             <a:r>
-              <a:rPr/>
               <a:t>Zonal stats (example)</a:t>
             </a:r>
           </a:p>
@@ -5584,7 +6051,7 @@
             <a:spLocks noGrp="1"/>
           </p:cNvSpPr>
           <p:nvPr>
-            <p:ph idx="2" sz="half" type="body"/>
+            <p:ph type="body" sz="half" idx="2"/>
           </p:nvPr>
         </p:nvSpPr>
         <p:spPr/>
@@ -5630,7 +6097,7 @@
       </p:sp>
       <p:pic>
         <p:nvPicPr>
-          <p:cNvPr descr="week3_files/figure-pptx/unnamed-chunk-12-1.png" id="0" name="Picture 1"/>
+          <p:cNvPr id="3" name="Picture 1" descr="week3_files/figure-pptx/unnamed-chunk-12-1.png"/>
           <p:cNvPicPr>
             <a:picLocks noGrp="1" noChangeAspect="1"/>
           </p:cNvPicPr>
@@ -5660,6 +6127,9 @@
       </p:pic>
     </p:spTree>
   </p:cSld>
+  <p:clrMapOvr>
+    <a:masterClrMapping/>
+  </p:clrMapOvr>
 </p:sld>
 </file>
 
@@ -5695,11 +6165,10 @@
           <a:bodyPr/>
           <a:lstStyle/>
           <a:p>
-            <a:pPr lvl="0" indent="0" marL="0">
+            <a:pPr marL="0" lvl="0" indent="0">
               <a:buNone/>
             </a:pPr>
             <a:r>
-              <a:rPr/>
               <a:t>Join tables (join csv table to shapefile)</a:t>
             </a:r>
           </a:p>
@@ -5707,7 +6176,7 @@
       </p:sp>
       <p:pic>
         <p:nvPicPr>
-          <p:cNvPr descr="jtable.png" id="0" name="Picture 1"/>
+          <p:cNvPr id="3" name="Picture 1" descr="jtable.png"/>
           <p:cNvPicPr>
             <a:picLocks noGrp="1" noChangeAspect="1"/>
           </p:cNvPicPr>
@@ -5737,6 +6206,9 @@
       </p:pic>
     </p:spTree>
   </p:cSld>
+  <p:clrMapOvr>
+    <a:masterClrMapping/>
+  </p:clrMapOvr>
 </p:sld>
 </file>
 
@@ -5772,11 +6244,10 @@
           <a:bodyPr/>
           <a:lstStyle/>
           <a:p>
-            <a:pPr lvl="0" indent="0" marL="0">
+            <a:pPr marL="0" lvl="0" indent="0">
               <a:buNone/>
             </a:pPr>
             <a:r>
-              <a:rPr/>
               <a:t>Join tables (join csv table to shapefile)</a:t>
             </a:r>
           </a:p>
@@ -5784,7 +6255,7 @@
       </p:sp>
       <p:pic>
         <p:nvPicPr>
-          <p:cNvPr descr="jtable1.png" id="0" name="Picture 1"/>
+          <p:cNvPr id="3" name="Picture 1" descr="jtable1.png"/>
           <p:cNvPicPr>
             <a:picLocks noGrp="1" noChangeAspect="1"/>
           </p:cNvPicPr>
@@ -5814,6 +6285,9 @@
       </p:pic>
     </p:spTree>
   </p:cSld>
+  <p:clrMapOvr>
+    <a:masterClrMapping/>
+  </p:clrMapOvr>
 </p:sld>
 </file>
 
@@ -5854,11 +6328,10 @@
           <a:bodyPr/>
           <a:lstStyle/>
           <a:p>
-            <a:pPr lvl="0" indent="0" marL="0">
+            <a:pPr marL="0" lvl="0" indent="0">
               <a:buNone/>
             </a:pPr>
             <a:r>
-              <a:rPr/>
               <a:t>Joining CSV to Shapefile Using sf Library</a:t>
             </a:r>
           </a:p>
@@ -5871,22 +6344,27 @@
             <a:spLocks noGrp="1"/>
           </p:cNvSpPr>
           <p:nvPr>
-            <p:ph idx="2" sz="half" type="body"/>
-          </p:nvPr>
-        </p:nvSpPr>
-        <p:spPr/>
-        <p:txBody>
-          <a:bodyPr/>
-          <a:lstStyle/>
-          <a:p>
-            <a:pPr lvl="0" indent="0" marL="0">
+            <p:ph type="body" sz="half" idx="2"/>
+          </p:nvPr>
+        </p:nvSpPr>
+        <p:spPr>
+          <a:xfrm>
+            <a:off x="457201" y="1076326"/>
+            <a:ext cx="5967453" cy="4282853"/>
+          </a:xfrm>
+        </p:spPr>
+        <p:txBody>
+          <a:bodyPr/>
+          <a:lstStyle/>
+          <a:p>
+            <a:pPr marL="0" lvl="0" indent="0">
               <a:spcBef>
                 <a:spcPts val="3000"/>
               </a:spcBef>
               <a:buNone/>
             </a:pPr>
             <a:r>
-              <a:rPr b="1"/>
+              <a:rPr b="1" dirty="0"/>
               <a:t>Steps to Join CSV to Shapefile</a:t>
             </a:r>
           </a:p>
@@ -5895,7 +6373,7 @@
               <a:buNone/>
             </a:pPr>
             <a:r>
-              <a:rPr>
+              <a:rPr dirty="0">
                 <a:solidFill>
                   <a:srgbClr val="06287E"/>
                 </a:solidFill>
@@ -5904,14 +6382,16 @@
               <a:t>library</a:t>
             </a:r>
             <a:r>
-              <a:rPr>
+              <a:rPr dirty="0">
                 <a:latin typeface="Courier"/>
               </a:rPr>
               <a:t>(sf)</a:t>
             </a:r>
-            <a:br/>
-            <a:r>
-              <a:rPr>
+            <a:br>
+              <a:rPr dirty="0"/>
+            </a:br>
+            <a:r>
+              <a:rPr dirty="0">
                 <a:solidFill>
                   <a:srgbClr val="06287E"/>
                 </a:solidFill>
@@ -5920,15 +6400,31 @@
               <a:t>library</a:t>
             </a:r>
             <a:r>
-              <a:rPr>
-                <a:latin typeface="Courier"/>
-              </a:rPr>
-              <a:t>(dplyr)</a:t>
-            </a:r>
-            <a:br/>
-            <a:br/>
-            <a:r>
-              <a:rPr i="1">
+              <a:rPr dirty="0">
+                <a:latin typeface="Courier"/>
+              </a:rPr>
+              <a:t>(</a:t>
+            </a:r>
+            <a:r>
+              <a:rPr dirty="0" err="1">
+                <a:latin typeface="Courier"/>
+              </a:rPr>
+              <a:t>dplyr</a:t>
+            </a:r>
+            <a:r>
+              <a:rPr dirty="0">
+                <a:latin typeface="Courier"/>
+              </a:rPr>
+              <a:t>)</a:t>
+            </a:r>
+            <a:br>
+              <a:rPr dirty="0"/>
+            </a:br>
+            <a:br>
+              <a:rPr dirty="0"/>
+            </a:br>
+            <a:r>
+              <a:rPr i="1" dirty="0">
                 <a:solidFill>
                   <a:srgbClr val="60A0B0"/>
                 </a:solidFill>
@@ -5936,15 +6432,17 @@
               </a:rPr>
               <a:t># Load the shapefile</a:t>
             </a:r>
-            <a:br/>
-            <a:r>
-              <a:rPr>
+            <a:br>
+              <a:rPr dirty="0"/>
+            </a:br>
+            <a:r>
+              <a:rPr dirty="0">
                 <a:latin typeface="Courier"/>
               </a:rPr>
               <a:t>watershed </a:t>
             </a:r>
             <a:r>
-              <a:rPr>
+              <a:rPr dirty="0">
                 <a:solidFill>
                   <a:srgbClr val="007020"/>
                 </a:solidFill>
@@ -5953,13 +6451,13 @@
               <a:t>&lt;-</a:t>
             </a:r>
             <a:r>
-              <a:rPr>
+              <a:rPr dirty="0">
                 <a:latin typeface="Courier"/>
               </a:rPr>
               <a:t> </a:t>
             </a:r>
             <a:r>
-              <a:rPr>
+              <a:rPr dirty="0" err="1">
                 <a:solidFill>
                   <a:srgbClr val="06287E"/>
                 </a:solidFill>
@@ -5968,30 +6466,52 @@
               <a:t>st_read</a:t>
             </a:r>
             <a:r>
-              <a:rPr>
+              <a:rPr dirty="0">
                 <a:latin typeface="Courier"/>
               </a:rPr>
               <a:t>(</a:t>
             </a:r>
             <a:r>
-              <a:rPr>
+              <a:rPr dirty="0">
                 <a:solidFill>
                   <a:srgbClr val="4070A0"/>
                 </a:solidFill>
                 <a:latin typeface="Courier"/>
               </a:rPr>
-              <a:t>"watershed.shp"</a:t>
-            </a:r>
-            <a:r>
-              <a:rPr>
+              <a:t>"</a:t>
+            </a:r>
+            <a:r>
+              <a:rPr dirty="0" err="1">
+                <a:solidFill>
+                  <a:srgbClr val="4070A0"/>
+                </a:solidFill>
+                <a:latin typeface="Courier"/>
+              </a:rPr>
+              <a:t>watershed.shp</a:t>
+            </a:r>
+            <a:r>
+              <a:rPr dirty="0">
+                <a:solidFill>
+                  <a:srgbClr val="4070A0"/>
+                </a:solidFill>
+                <a:latin typeface="Courier"/>
+              </a:rPr>
+              <a:t>"</a:t>
+            </a:r>
+            <a:r>
+              <a:rPr dirty="0">
                 <a:latin typeface="Courier"/>
               </a:rPr>
               <a:t>)</a:t>
             </a:r>
-            <a:br/>
-            <a:br/>
-            <a:r>
-              <a:rPr i="1">
+            <a:br>
+              <a:rPr dirty="0"/>
+            </a:br>
+            <a:br>
+              <a:rPr dirty="0"/>
+            </a:br>
+            <a:r>
+              <a:rPr i="1" dirty="0">
                 <a:solidFill>
                   <a:srgbClr val="60A0B0"/>
                 </a:solidFill>
@@ -5999,15 +6519,23 @@
               </a:rPr>
               <a:t># Read the CSV file</a:t>
             </a:r>
-            <a:br/>
-            <a:r>
-              <a:rPr>
-                <a:latin typeface="Courier"/>
-              </a:rPr>
-              <a:t>agstats </a:t>
-            </a:r>
-            <a:r>
-              <a:rPr>
+            <a:br>
+              <a:rPr dirty="0"/>
+            </a:br>
+            <a:r>
+              <a:rPr dirty="0" err="1">
+                <a:latin typeface="Courier"/>
+              </a:rPr>
+              <a:t>agstats</a:t>
+            </a:r>
+            <a:r>
+              <a:rPr dirty="0">
+                <a:latin typeface="Courier"/>
+              </a:rPr>
+              <a:t> </a:t>
+            </a:r>
+            <a:r>
+              <a:rPr dirty="0">
                 <a:solidFill>
                   <a:srgbClr val="007020"/>
                 </a:solidFill>
@@ -6016,13 +6544,13 @@
               <a:t>&lt;-</a:t>
             </a:r>
             <a:r>
-              <a:rPr>
+              <a:rPr dirty="0">
                 <a:latin typeface="Courier"/>
               </a:rPr>
               <a:t> </a:t>
             </a:r>
             <a:r>
-              <a:rPr>
+              <a:rPr dirty="0" err="1">
                 <a:solidFill>
                   <a:srgbClr val="06287E"/>
                 </a:solidFill>
@@ -6031,22 +6559,40 @@
               <a:t>read.csv</a:t>
             </a:r>
             <a:r>
-              <a:rPr>
+              <a:rPr dirty="0">
                 <a:latin typeface="Courier"/>
               </a:rPr>
               <a:t>(</a:t>
             </a:r>
             <a:r>
-              <a:rPr>
+              <a:rPr dirty="0">
                 <a:solidFill>
                   <a:srgbClr val="4070A0"/>
                 </a:solidFill>
                 <a:latin typeface="Courier"/>
               </a:rPr>
-              <a:t>"agstats.csv"</a:t>
-            </a:r>
-            <a:r>
-              <a:rPr>
+              <a:t>"</a:t>
+            </a:r>
+            <a:r>
+              <a:rPr dirty="0" err="1">
+                <a:solidFill>
+                  <a:srgbClr val="4070A0"/>
+                </a:solidFill>
+                <a:latin typeface="Courier"/>
+              </a:rPr>
+              <a:t>agstats.csv</a:t>
+            </a:r>
+            <a:r>
+              <a:rPr dirty="0">
+                <a:solidFill>
+                  <a:srgbClr val="4070A0"/>
+                </a:solidFill>
+                <a:latin typeface="Courier"/>
+              </a:rPr>
+              <a:t>"</a:t>
+            </a:r>
+            <a:r>
+              <a:rPr dirty="0">
                 <a:latin typeface="Courier"/>
               </a:rPr>
               <a:t>)</a:t>
@@ -6057,7 +6603,7 @@
               <a:buNone/>
             </a:pPr>
             <a:r>
-              <a:rPr i="1">
+              <a:rPr i="1" dirty="0">
                 <a:solidFill>
                   <a:srgbClr val="60A0B0"/>
                 </a:solidFill>
@@ -6065,15 +6611,23 @@
               </a:rPr>
               <a:t># Assuming both data frames have a common key named "Subbasin"</a:t>
             </a:r>
-            <a:br/>
-            <a:r>
-              <a:rPr>
-                <a:latin typeface="Courier"/>
-              </a:rPr>
-              <a:t>joined_data </a:t>
-            </a:r>
-            <a:r>
-              <a:rPr>
+            <a:br>
+              <a:rPr dirty="0"/>
+            </a:br>
+            <a:r>
+              <a:rPr dirty="0" err="1">
+                <a:latin typeface="Courier"/>
+              </a:rPr>
+              <a:t>joined_data</a:t>
+            </a:r>
+            <a:r>
+              <a:rPr dirty="0">
+                <a:latin typeface="Courier"/>
+              </a:rPr>
+              <a:t> </a:t>
+            </a:r>
+            <a:r>
+              <a:rPr dirty="0">
                 <a:solidFill>
                   <a:srgbClr val="007020"/>
                 </a:solidFill>
@@ -6082,13 +6636,13 @@
               <a:t>&lt;-</a:t>
             </a:r>
             <a:r>
-              <a:rPr>
+              <a:rPr dirty="0">
                 <a:latin typeface="Courier"/>
               </a:rPr>
               <a:t> </a:t>
             </a:r>
             <a:r>
-              <a:rPr>
+              <a:rPr dirty="0" err="1">
                 <a:solidFill>
                   <a:srgbClr val="06287E"/>
                 </a:solidFill>
@@ -6097,22 +6651,37 @@
               <a:t>left_join</a:t>
             </a:r>
             <a:r>
-              <a:rPr>
-                <a:latin typeface="Courier"/>
-              </a:rPr>
-              <a:t>(watershed,agstats,</a:t>
-            </a:r>
-            <a:r>
-              <a:rPr>
+              <a:rPr dirty="0">
+                <a:latin typeface="Courier"/>
+              </a:rPr>
+              <a:t>(</a:t>
+            </a:r>
+            <a:r>
+              <a:rPr dirty="0" err="1">
+                <a:latin typeface="Courier"/>
+              </a:rPr>
+              <a:t>watershed,agstats,</a:t>
+            </a:r>
+            <a:r>
+              <a:rPr dirty="0" err="1">
                 <a:solidFill>
                   <a:srgbClr val="7D9029"/>
                 </a:solidFill>
                 <a:latin typeface="Courier"/>
               </a:rPr>
-              <a:t>by=</a:t>
-            </a:r>
-            <a:r>
-              <a:rPr>
+              <a:t>by</a:t>
+            </a:r>
+            <a:r>
+              <a:rPr dirty="0">
+                <a:solidFill>
+                  <a:srgbClr val="7D9029"/>
+                </a:solidFill>
+                <a:latin typeface="Courier"/>
+              </a:rPr>
+              <a:t>=</a:t>
+            </a:r>
+            <a:r>
+              <a:rPr dirty="0">
                 <a:solidFill>
                   <a:srgbClr val="4070A0"/>
                 </a:solidFill>
@@ -6121,15 +6690,19 @@
               <a:t>'Subbasin'</a:t>
             </a:r>
             <a:r>
-              <a:rPr>
+              <a:rPr dirty="0">
                 <a:latin typeface="Courier"/>
               </a:rPr>
               <a:t>)</a:t>
             </a:r>
-            <a:br/>
-            <a:br/>
-            <a:r>
-              <a:rPr i="1">
+            <a:br>
+              <a:rPr dirty="0"/>
+            </a:br>
+            <a:br>
+              <a:rPr dirty="0"/>
+            </a:br>
+            <a:r>
+              <a:rPr i="1" dirty="0">
                 <a:solidFill>
                   <a:srgbClr val="60A0B0"/>
                 </a:solidFill>
@@ -6137,9 +6710,11 @@
               </a:rPr>
               <a:t># Display the first few rows of the joined data</a:t>
             </a:r>
-            <a:br/>
-            <a:r>
-              <a:rPr>
+            <a:br>
+              <a:rPr dirty="0"/>
+            </a:br>
+            <a:r>
+              <a:rPr dirty="0">
                 <a:solidFill>
                   <a:srgbClr val="06287E"/>
                 </a:solidFill>
@@ -6148,10 +6723,22 @@
               <a:t>names</a:t>
             </a:r>
             <a:r>
-              <a:rPr>
-                <a:latin typeface="Courier"/>
-              </a:rPr>
-              <a:t>(joined_data)</a:t>
+              <a:rPr dirty="0">
+                <a:latin typeface="Courier"/>
+              </a:rPr>
+              <a:t>(</a:t>
+            </a:r>
+            <a:r>
+              <a:rPr dirty="0" err="1">
+                <a:latin typeface="Courier"/>
+              </a:rPr>
+              <a:t>joined_data</a:t>
+            </a:r>
+            <a:r>
+              <a:rPr dirty="0">
+                <a:latin typeface="Courier"/>
+              </a:rPr>
+              <a:t>)</a:t>
             </a:r>
           </a:p>
           <a:p>
@@ -6159,14 +6746,158 @@
               <a:buNone/>
             </a:pPr>
             <a:r>
-              <a:rPr>
-                <a:latin typeface="Courier"/>
-              </a:rPr>
-              <a:t>##  [1] "OBJECTID.x" "GRIDCODE"   "Subbasin"   "Area"       "Slo1"      
-##  [6] "Len1"       "Sll"        "Csl"        "Wid1"       "Dep1"      
-## [11] "Lat"        "Long_"      "Elev"       "ElevMin"    "ElevMax"   
-## [16] "Bname"      "Shape_Leng" "Shape_Area" "HydroID"    "OutletID"  
-## [21] "OBJECTID.y" "MEAN"       "geometry"</a:t>
+              <a:rPr dirty="0">
+                <a:latin typeface="Courier"/>
+              </a:rPr>
+              <a:t>##  [1] "</a:t>
+            </a:r>
+            <a:r>
+              <a:rPr dirty="0" err="1">
+                <a:latin typeface="Courier"/>
+              </a:rPr>
+              <a:t>OBJECTID.x</a:t>
+            </a:r>
+            <a:r>
+              <a:rPr dirty="0">
+                <a:latin typeface="Courier"/>
+              </a:rPr>
+              <a:t>" "GRIDCODE"   "Subbasin"   "Area"       "Slo1"      
+##  [6] "Len1"       "</a:t>
+            </a:r>
+            <a:r>
+              <a:rPr dirty="0" err="1">
+                <a:latin typeface="Courier"/>
+              </a:rPr>
+              <a:t>Sll</a:t>
+            </a:r>
+            <a:r>
+              <a:rPr dirty="0">
+                <a:latin typeface="Courier"/>
+              </a:rPr>
+              <a:t>"        "</a:t>
+            </a:r>
+            <a:r>
+              <a:rPr dirty="0" err="1">
+                <a:latin typeface="Courier"/>
+              </a:rPr>
+              <a:t>Csl</a:t>
+            </a:r>
+            <a:r>
+              <a:rPr dirty="0">
+                <a:latin typeface="Courier"/>
+              </a:rPr>
+              <a:t>"        "Wid1"       "Dep1"      
+## [11] "Lat"        "Long_"      "</a:t>
+            </a:r>
+            <a:r>
+              <a:rPr dirty="0" err="1">
+                <a:latin typeface="Courier"/>
+              </a:rPr>
+              <a:t>Elev</a:t>
+            </a:r>
+            <a:r>
+              <a:rPr dirty="0">
+                <a:latin typeface="Courier"/>
+              </a:rPr>
+              <a:t>"       "</a:t>
+            </a:r>
+            <a:r>
+              <a:rPr dirty="0" err="1">
+                <a:latin typeface="Courier"/>
+              </a:rPr>
+              <a:t>ElevMin</a:t>
+            </a:r>
+            <a:r>
+              <a:rPr dirty="0">
+                <a:latin typeface="Courier"/>
+              </a:rPr>
+              <a:t>"    "</a:t>
+            </a:r>
+            <a:r>
+              <a:rPr dirty="0" err="1">
+                <a:latin typeface="Courier"/>
+              </a:rPr>
+              <a:t>ElevMax</a:t>
+            </a:r>
+            <a:r>
+              <a:rPr dirty="0">
+                <a:latin typeface="Courier"/>
+              </a:rPr>
+              <a:t>"   
+## [16] "</a:t>
+            </a:r>
+            <a:r>
+              <a:rPr dirty="0" err="1">
+                <a:latin typeface="Courier"/>
+              </a:rPr>
+              <a:t>Bname</a:t>
+            </a:r>
+            <a:r>
+              <a:rPr dirty="0">
+                <a:latin typeface="Courier"/>
+              </a:rPr>
+              <a:t>"      "</a:t>
+            </a:r>
+            <a:r>
+              <a:rPr dirty="0" err="1">
+                <a:latin typeface="Courier"/>
+              </a:rPr>
+              <a:t>Shape_Leng</a:t>
+            </a:r>
+            <a:r>
+              <a:rPr dirty="0">
+                <a:latin typeface="Courier"/>
+              </a:rPr>
+              <a:t>" "</a:t>
+            </a:r>
+            <a:r>
+              <a:rPr dirty="0" err="1">
+                <a:latin typeface="Courier"/>
+              </a:rPr>
+              <a:t>Shape_Area</a:t>
+            </a:r>
+            <a:r>
+              <a:rPr dirty="0">
+                <a:latin typeface="Courier"/>
+              </a:rPr>
+              <a:t>" "</a:t>
+            </a:r>
+            <a:r>
+              <a:rPr dirty="0" err="1">
+                <a:latin typeface="Courier"/>
+              </a:rPr>
+              <a:t>HydroID</a:t>
+            </a:r>
+            <a:r>
+              <a:rPr dirty="0">
+                <a:latin typeface="Courier"/>
+              </a:rPr>
+              <a:t>"    "</a:t>
+            </a:r>
+            <a:r>
+              <a:rPr dirty="0" err="1">
+                <a:latin typeface="Courier"/>
+              </a:rPr>
+              <a:t>OutletID</a:t>
+            </a:r>
+            <a:r>
+              <a:rPr dirty="0">
+                <a:latin typeface="Courier"/>
+              </a:rPr>
+              <a:t>"  
+## [21] "</a:t>
+            </a:r>
+            <a:r>
+              <a:rPr dirty="0" err="1">
+                <a:latin typeface="Courier"/>
+              </a:rPr>
+              <a:t>OBJECTID.y</a:t>
+            </a:r>
+            <a:r>
+              <a:rPr dirty="0">
+                <a:latin typeface="Courier"/>
+              </a:rPr>
+              <a:t>" "MEAN"       "geometry"</a:t>
             </a:r>
           </a:p>
           <a:p>
@@ -6174,7 +6905,7 @@
               <a:buNone/>
             </a:pPr>
             <a:r>
-              <a:rPr i="1">
+              <a:rPr i="1" dirty="0">
                 <a:solidFill>
                   <a:srgbClr val="60A0B0"/>
                 </a:solidFill>
@@ -6182,9 +6913,11 @@
               </a:rPr>
               <a:t># Plot the joined data</a:t>
             </a:r>
-            <a:br/>
-            <a:r>
-              <a:rPr>
+            <a:br>
+              <a:rPr dirty="0"/>
+            </a:br>
+            <a:r>
+              <a:rPr dirty="0">
                 <a:solidFill>
                   <a:srgbClr val="06287E"/>
                 </a:solidFill>
@@ -6193,13 +6926,25 @@
               <a:t>plot</a:t>
             </a:r>
             <a:r>
-              <a:rPr>
-                <a:latin typeface="Courier"/>
-              </a:rPr>
-              <a:t>(joined_data[</a:t>
-            </a:r>
-            <a:r>
-              <a:rPr>
+              <a:rPr dirty="0">
+                <a:latin typeface="Courier"/>
+              </a:rPr>
+              <a:t>(</a:t>
+            </a:r>
+            <a:r>
+              <a:rPr dirty="0" err="1">
+                <a:latin typeface="Courier"/>
+              </a:rPr>
+              <a:t>joined_data</a:t>
+            </a:r>
+            <a:r>
+              <a:rPr dirty="0">
+                <a:latin typeface="Courier"/>
+              </a:rPr>
+              <a:t>[</a:t>
+            </a:r>
+            <a:r>
+              <a:rPr dirty="0">
                 <a:solidFill>
                   <a:srgbClr val="4070A0"/>
                 </a:solidFill>
@@ -6208,7 +6953,7 @@
               <a:t>"MEAN"</a:t>
             </a:r>
             <a:r>
-              <a:rPr>
+              <a:rPr dirty="0">
                 <a:latin typeface="Courier"/>
               </a:rPr>
               <a:t>])</a:t>
@@ -6216,9 +6961,362 @@
           </a:p>
         </p:txBody>
       </p:sp>
+    </p:spTree>
+  </p:cSld>
+  <p:clrMapOvr>
+    <a:masterClrMapping/>
+  </p:clrMapOvr>
+</p:sld>
+</file>
+
+<file path=ppt/slides/slide6.xml><?xml version="1.0" encoding="utf-8"?>
+<p:sld xmlns:a="http://schemas.openxmlformats.org/drawingml/2006/main" xmlns:r="http://schemas.openxmlformats.org/officeDocument/2006/relationships" xmlns:p="http://schemas.openxmlformats.org/presentationml/2006/main">
+  <p:cSld>
+    <p:spTree>
+      <p:nvGrpSpPr>
+        <p:cNvPr id="1" name=""/>
+        <p:cNvGrpSpPr/>
+        <p:nvPr/>
+      </p:nvGrpSpPr>
+      <p:grpSpPr>
+        <a:xfrm>
+          <a:off x="0" y="0"/>
+          <a:ext cx="0" cy="0"/>
+          <a:chOff x="0" y="0"/>
+          <a:chExt cx="0" cy="0"/>
+        </a:xfrm>
+      </p:grpSpPr>
       <p:pic>
         <p:nvPicPr>
-          <p:cNvPr descr="week3_files/figure-pptx/unnamed-chunk-2-1.png" id="0" name="Picture 1"/>
+          <p:cNvPr id="5" name="Picture 1" descr="week3_files/figure-pptx/unnamed-chunk-2-1.png">
+            <a:extLst>
+              <a:ext uri="{FF2B5EF4-FFF2-40B4-BE49-F238E27FC236}">
+                <a16:creationId xmlns:a16="http://schemas.microsoft.com/office/drawing/2014/main" id="{A494F4A4-579C-EFC4-E241-1023F040A371}"/>
+              </a:ext>
+            </a:extLst>
+          </p:cNvPr>
+          <p:cNvPicPr>
+            <a:picLocks noGrp="1" noChangeAspect="1"/>
+          </p:cNvPicPr>
+          <p:nvPr/>
+        </p:nvPicPr>
+        <p:blipFill>
+          <a:blip r:embed="rId2"/>
+          <a:stretch>
+            <a:fillRect/>
+          </a:stretch>
+        </p:blipFill>
+        <p:spPr bwMode="auto">
+          <a:xfrm>
+            <a:off x="1517904" y="418247"/>
+            <a:ext cx="5696712" cy="4563038"/>
+          </a:xfrm>
+          <a:prstGeom prst="rect">
+            <a:avLst/>
+          </a:prstGeom>
+          <a:noFill/>
+          <a:ln w="9525">
+            <a:noFill/>
+            <a:headEnd/>
+            <a:tailEnd/>
+          </a:ln>
+        </p:spPr>
+      </p:pic>
+    </p:spTree>
+    <p:extLst>
+      <p:ext uri="{BB962C8B-B14F-4D97-AF65-F5344CB8AC3E}">
+        <p14:creationId xmlns:p14="http://schemas.microsoft.com/office/powerpoint/2010/main" val="3514426583"/>
+      </p:ext>
+    </p:extLst>
+  </p:cSld>
+  <p:clrMapOvr>
+    <a:masterClrMapping/>
+  </p:clrMapOvr>
+</p:sld>
+</file>
+
+<file path=ppt/slides/slide7.xml><?xml version="1.0" encoding="utf-8"?>
+<p:sld xmlns:a="http://schemas.openxmlformats.org/drawingml/2006/main" xmlns:r="http://schemas.openxmlformats.org/officeDocument/2006/relationships" xmlns:p="http://schemas.openxmlformats.org/presentationml/2006/main">
+  <p:cSld>
+    <p:spTree>
+      <p:nvGrpSpPr>
+        <p:cNvPr id="1" name=""/>
+        <p:cNvGrpSpPr/>
+        <p:nvPr/>
+      </p:nvGrpSpPr>
+      <p:grpSpPr>
+        <a:xfrm>
+          <a:off x="0" y="0"/>
+          <a:ext cx="0" cy="0"/>
+          <a:chOff x="0" y="0"/>
+          <a:chExt cx="0" cy="0"/>
+        </a:xfrm>
+      </p:grpSpPr>
+      <p:sp>
+        <p:nvSpPr>
+          <p:cNvPr id="2" name="Title 1"/>
+          <p:cNvSpPr>
+            <a:spLocks noGrp="1"/>
+          </p:cNvSpPr>
+          <p:nvPr>
+            <p:ph type="title"/>
+          </p:nvPr>
+        </p:nvSpPr>
+        <p:spPr/>
+        <p:txBody>
+          <a:bodyPr/>
+          <a:lstStyle/>
+          <a:p>
+            <a:pPr marL="0" lvl="0" indent="0">
+              <a:buNone/>
+            </a:pPr>
+            <a:r>
+              <a:t>Outline</a:t>
+            </a:r>
+          </a:p>
+        </p:txBody>
+      </p:sp>
+      <p:sp>
+        <p:nvSpPr>
+          <p:cNvPr id="3" name="Content Placeholder 2"/>
+          <p:cNvSpPr>
+            <a:spLocks noGrp="1"/>
+          </p:cNvSpPr>
+          <p:nvPr>
+            <p:ph idx="1"/>
+          </p:nvPr>
+        </p:nvSpPr>
+        <p:spPr/>
+        <p:txBody>
+          <a:bodyPr/>
+          <a:lstStyle/>
+          <a:p>
+            <a:pPr marL="0" lvl="0" indent="0">
+              <a:buNone/>
+            </a:pPr>
+            <a:r>
+              <a:t>Handling spatial data in R</a:t>
+            </a:r>
+          </a:p>
+          <a:p>
+            <a:pPr lvl="0"/>
+            <a:r>
+              <a:rPr i="1"/>
+              <a:t>Join tables (join table to shapefile)</a:t>
+            </a:r>
+          </a:p>
+          <a:p>
+            <a:pPr lvl="0"/>
+            <a:r>
+              <a:rPr i="1"/>
+              <a:t>Select features (select by attribute)</a:t>
+            </a:r>
+          </a:p>
+          <a:p>
+            <a:pPr lvl="0"/>
+            <a:r>
+              <a:rPr i="1"/>
+              <a:t>Buffer (shapefile), unionSpatialPolygons</a:t>
+            </a:r>
+          </a:p>
+          <a:p>
+            <a:pPr lvl="0"/>
+            <a:r>
+              <a:rPr i="1"/>
+              <a:t>Zonal statistics as table (for Raster data)</a:t>
+            </a:r>
+          </a:p>
+        </p:txBody>
+      </p:sp>
+    </p:spTree>
+  </p:cSld>
+  <p:clrMapOvr>
+    <a:masterClrMapping/>
+  </p:clrMapOvr>
+</p:sld>
+</file>
+
+<file path=ppt/slides/slide8.xml><?xml version="1.0" encoding="utf-8"?>
+<p:sld xmlns:a="http://schemas.openxmlformats.org/drawingml/2006/main" xmlns:r="http://schemas.openxmlformats.org/officeDocument/2006/relationships" xmlns:p="http://schemas.openxmlformats.org/presentationml/2006/main">
+  <p:cSld>
+    <p:spTree>
+      <p:nvGrpSpPr>
+        <p:cNvPr id="1" name=""/>
+        <p:cNvGrpSpPr/>
+        <p:nvPr/>
+      </p:nvGrpSpPr>
+      <p:grpSpPr>
+        <a:xfrm>
+          <a:off x="0" y="0"/>
+          <a:ext cx="0" cy="0"/>
+          <a:chOff x="0" y="0"/>
+          <a:chExt cx="0" cy="0"/>
+        </a:xfrm>
+      </p:grpSpPr>
+      <p:sp>
+        <p:nvSpPr>
+          <p:cNvPr id="2" name="Title 1"/>
+          <p:cNvSpPr>
+            <a:spLocks noGrp="1"/>
+          </p:cNvSpPr>
+          <p:nvPr>
+            <p:ph type="title"/>
+          </p:nvPr>
+        </p:nvSpPr>
+        <p:spPr>
+          <a:xfrm>
+            <a:off x="457201" y="204787"/>
+            <a:ext cx="3008313" cy="871538"/>
+          </a:xfrm>
+        </p:spPr>
+        <p:txBody>
+          <a:bodyPr/>
+          <a:lstStyle/>
+          <a:p>
+            <a:pPr marL="0" lvl="0" indent="0">
+              <a:buNone/>
+            </a:pPr>
+            <a:r>
+              <a:t>Example (select by attribute)</a:t>
+            </a:r>
+          </a:p>
+        </p:txBody>
+      </p:sp>
+      <p:sp>
+        <p:nvSpPr>
+          <p:cNvPr id="4" name="Text Placeholder 3"/>
+          <p:cNvSpPr>
+            <a:spLocks noGrp="1"/>
+          </p:cNvSpPr>
+          <p:nvPr>
+            <p:ph type="body" sz="half" idx="2"/>
+          </p:nvPr>
+        </p:nvSpPr>
+        <p:spPr/>
+        <p:txBody>
+          <a:bodyPr/>
+          <a:lstStyle/>
+          <a:p>
+            <a:pPr marL="0" lvl="0" indent="0">
+              <a:buNone/>
+            </a:pPr>
+            <a:r>
+              <a:t>Each point has columns (i.e., ‘V’) indicating storm surge height</a:t>
+            </a:r>
+          </a:p>
+          <a:p>
+            <a:pPr lvl="0" indent="0">
+              <a:buNone/>
+            </a:pPr>
+            <a:r>
+              <a:rPr>
+                <a:latin typeface="Courier"/>
+              </a:rPr>
+              <a:t>storm </a:t>
+            </a:r>
+            <a:r>
+              <a:rPr>
+                <a:solidFill>
+                  <a:srgbClr val="007020"/>
+                </a:solidFill>
+                <a:latin typeface="Courier"/>
+              </a:rPr>
+              <a:t>&lt;-</a:t>
+            </a:r>
+            <a:r>
+              <a:rPr>
+                <a:latin typeface="Courier"/>
+              </a:rPr>
+              <a:t> </a:t>
+            </a:r>
+            <a:r>
+              <a:rPr>
+                <a:solidFill>
+                  <a:srgbClr val="06287E"/>
+                </a:solidFill>
+                <a:latin typeface="Courier"/>
+              </a:rPr>
+              <a:t>st_read</a:t>
+            </a:r>
+            <a:r>
+              <a:rPr>
+                <a:latin typeface="Courier"/>
+              </a:rPr>
+              <a:t>(</a:t>
+            </a:r>
+            <a:r>
+              <a:rPr>
+                <a:solidFill>
+                  <a:srgbClr val="4070A0"/>
+                </a:solidFill>
+                <a:latin typeface="Courier"/>
+              </a:rPr>
+              <a:t>'stormsub.shp'</a:t>
+            </a:r>
+            <a:r>
+              <a:rPr>
+                <a:latin typeface="Courier"/>
+              </a:rPr>
+              <a:t>)</a:t>
+            </a:r>
+          </a:p>
+          <a:p>
+            <a:pPr lvl="0" indent="0">
+              <a:buNone/>
+            </a:pPr>
+            <a:r>
+              <a:rPr>
+                <a:latin typeface="Courier"/>
+              </a:rPr>
+              <a:t>## Reading layer `stormsub' from data source 
+##   `/Users/yshao/work/Geog4254-5254G/week3/stormsub.shp' using driver `ESRI Shapefile'
+## Simple feature collection with 203 features and 4 fields
+## Geometry type: POINT
+## Dimension:     XY
+## Bounding box:  xmin: -76.222 ymin: 36.556 xmax: -75.88 ymax: 36.929
+## Geodetic CRS:  GCS_unknown</a:t>
+            </a:r>
+          </a:p>
+          <a:p>
+            <a:pPr lvl="0" indent="0">
+              <a:buNone/>
+            </a:pPr>
+            <a:r>
+              <a:rPr>
+                <a:solidFill>
+                  <a:srgbClr val="06287E"/>
+                </a:solidFill>
+                <a:latin typeface="Courier"/>
+              </a:rPr>
+              <a:t>plot</a:t>
+            </a:r>
+            <a:r>
+              <a:rPr>
+                <a:latin typeface="Courier"/>
+              </a:rPr>
+              <a:t>(storm[</a:t>
+            </a:r>
+            <a:r>
+              <a:rPr>
+                <a:solidFill>
+                  <a:srgbClr val="4070A0"/>
+                </a:solidFill>
+                <a:latin typeface="Courier"/>
+              </a:rPr>
+              <a:t>'V'</a:t>
+            </a:r>
+            <a:r>
+              <a:rPr>
+                <a:latin typeface="Courier"/>
+              </a:rPr>
+              <a:t>])</a:t>
+            </a:r>
+          </a:p>
+        </p:txBody>
+      </p:sp>
+      <p:pic>
+        <p:nvPicPr>
+          <p:cNvPr id="3" name="Picture 1" descr="week3_files/figure-pptx/unnamed-chunk-3-1.png"/>
           <p:cNvPicPr>
             <a:picLocks noGrp="1" noChangeAspect="1"/>
           </p:cNvPicPr>
@@ -6248,10 +7346,13 @@
       </p:pic>
     </p:spTree>
   </p:cSld>
+  <p:clrMapOvr>
+    <a:masterClrMapping/>
+  </p:clrMapOvr>
 </p:sld>
 </file>
 
-<file path=ppt/slides/slide6.xml><?xml version="1.0" encoding="utf-8"?>
+<file path=ppt/slides/slide9.xml><?xml version="1.0" encoding="utf-8"?>
 <p:sld xmlns:a="http://schemas.openxmlformats.org/drawingml/2006/main" xmlns:r="http://schemas.openxmlformats.org/officeDocument/2006/relationships" xmlns:p="http://schemas.openxmlformats.org/presentationml/2006/main">
   <p:cSld>
     <p:spTree>
@@ -6278,106 +7379,6 @@
             <p:ph type="title"/>
           </p:nvPr>
         </p:nvSpPr>
-        <p:spPr/>
-        <p:txBody>
-          <a:bodyPr/>
-          <a:lstStyle/>
-          <a:p>
-            <a:pPr lvl="0" indent="0" marL="0">
-              <a:buNone/>
-            </a:pPr>
-            <a:r>
-              <a:rPr/>
-              <a:t>Outline</a:t>
-            </a:r>
-          </a:p>
-        </p:txBody>
-      </p:sp>
-      <p:sp>
-        <p:nvSpPr>
-          <p:cNvPr id="3" name="Content Placeholder 2"/>
-          <p:cNvSpPr>
-            <a:spLocks noGrp="1"/>
-          </p:cNvSpPr>
-          <p:nvPr>
-            <p:ph idx="1"/>
-          </p:nvPr>
-        </p:nvSpPr>
-        <p:spPr/>
-        <p:txBody>
-          <a:bodyPr/>
-          <a:lstStyle/>
-          <a:p>
-            <a:pPr lvl="0" indent="0" marL="0">
-              <a:buNone/>
-            </a:pPr>
-            <a:r>
-              <a:rPr/>
-              <a:t>Handling spatial data in R</a:t>
-            </a:r>
-          </a:p>
-          <a:p>
-            <a:pPr lvl="0"/>
-            <a:r>
-              <a:rPr i="1"/>
-              <a:t>Join tables (join table to shapefile)</a:t>
-            </a:r>
-          </a:p>
-          <a:p>
-            <a:pPr lvl="0"/>
-            <a:r>
-              <a:rPr i="1"/>
-              <a:t>Select features (select by attribute)</a:t>
-            </a:r>
-          </a:p>
-          <a:p>
-            <a:pPr lvl="0"/>
-            <a:r>
-              <a:rPr i="1"/>
-              <a:t>Buffer (shapefile), unionSpatialPolygons</a:t>
-            </a:r>
-          </a:p>
-          <a:p>
-            <a:pPr lvl="0"/>
-            <a:r>
-              <a:rPr i="1"/>
-              <a:t>Zonal statistics as table (for Raster data)</a:t>
-            </a:r>
-          </a:p>
-        </p:txBody>
-      </p:sp>
-    </p:spTree>
-  </p:cSld>
-</p:sld>
-</file>
-
-<file path=ppt/slides/slide7.xml><?xml version="1.0" encoding="utf-8"?>
-<p:sld xmlns:a="http://schemas.openxmlformats.org/drawingml/2006/main" xmlns:r="http://schemas.openxmlformats.org/officeDocument/2006/relationships" xmlns:p="http://schemas.openxmlformats.org/presentationml/2006/main">
-  <p:cSld>
-    <p:spTree>
-      <p:nvGrpSpPr>
-        <p:cNvPr id="1" name=""/>
-        <p:cNvGrpSpPr/>
-        <p:nvPr/>
-      </p:nvGrpSpPr>
-      <p:grpSpPr>
-        <a:xfrm>
-          <a:off x="0" y="0"/>
-          <a:ext cx="0" cy="0"/>
-          <a:chOff x="0" y="0"/>
-          <a:chExt cx="0" cy="0"/>
-        </a:xfrm>
-      </p:grpSpPr>
-      <p:sp>
-        <p:nvSpPr>
-          <p:cNvPr id="2" name="Title 1"/>
-          <p:cNvSpPr>
-            <a:spLocks noGrp="1"/>
-          </p:cNvSpPr>
-          <p:nvPr>
-            <p:ph type="title"/>
-          </p:nvPr>
-        </p:nvSpPr>
         <p:spPr>
           <a:xfrm>
             <a:off x="457201" y="204787"/>
@@ -6388,12 +7389,11 @@
           <a:bodyPr/>
           <a:lstStyle/>
           <a:p>
-            <a:pPr lvl="0" indent="0" marL="0">
+            <a:pPr marL="0" lvl="0" indent="0">
               <a:buNone/>
             </a:pPr>
             <a:r>
-              <a:rPr/>
-              <a:t>Example (select by attribute)</a:t>
+              <a:t>Select points based on user-defined threshold value? (e.g, &gt;1.6m)</a:t>
             </a:r>
           </a:p>
         </p:txBody>
@@ -6405,7 +7405,7 @@
             <a:spLocks noGrp="1"/>
           </p:cNvSpPr>
           <p:nvPr>
-            <p:ph idx="2" sz="half" type="body"/>
+            <p:ph type="body" sz="half" idx="2"/>
           </p:nvPr>
         </p:nvSpPr>
         <p:spPr/>
@@ -6413,23 +7413,14 @@
           <a:bodyPr/>
           <a:lstStyle/>
           <a:p>
-            <a:pPr lvl="0" indent="0" marL="0">
+            <a:pPr lvl="0" indent="0">
               <a:buNone/>
             </a:pPr>
             <a:r>
-              <a:rPr/>
-              <a:t>Each point has columns (i.e., ‘V’) indicating storm surge height</a:t>
-            </a:r>
-          </a:p>
-          <a:p>
-            <a:pPr lvl="0" indent="0">
-              <a:buNone/>
-            </a:pPr>
-            <a:r>
-              <a:rPr>
-                <a:latin typeface="Courier"/>
-              </a:rPr>
-              <a:t>storm </a:t>
+              <a:rPr>
+                <a:latin typeface="Courier"/>
+              </a:rPr>
+              <a:t>storm_new </a:t>
             </a:r>
             <a:r>
               <a:rPr>
@@ -6444,8 +7435,48 @@
               <a:rPr>
                 <a:latin typeface="Courier"/>
               </a:rPr>
-              <a:t> </a:t>
-            </a:r>
+              <a:t> storm[storm</a:t>
+            </a:r>
+            <a:r>
+              <a:rPr>
+                <a:solidFill>
+                  <a:srgbClr val="4070A0"/>
+                </a:solidFill>
+                <a:latin typeface="Courier"/>
+              </a:rPr>
+              <a:t>$</a:t>
+            </a:r>
+            <a:r>
+              <a:rPr>
+                <a:latin typeface="Courier"/>
+              </a:rPr>
+              <a:t>V</a:t>
+            </a:r>
+            <a:r>
+              <a:rPr>
+                <a:solidFill>
+                  <a:srgbClr val="4070A0"/>
+                </a:solidFill>
+                <a:latin typeface="Courier"/>
+              </a:rPr>
+              <a:t>&gt;</a:t>
+            </a:r>
+            <a:r>
+              <a:rPr>
+                <a:solidFill>
+                  <a:srgbClr val="40A070"/>
+                </a:solidFill>
+                <a:latin typeface="Courier"/>
+              </a:rPr>
+              <a:t>1.6</a:t>
+            </a:r>
+            <a:r>
+              <a:rPr>
+                <a:latin typeface="Courier"/>
+              </a:rPr>
+              <a:t>,]</a:t>
+            </a:r>
+            <a:br/>
             <a:r>
               <a:rPr>
                 <a:solidFill>
@@ -6453,65 +7484,13 @@
                 </a:solidFill>
                 <a:latin typeface="Courier"/>
               </a:rPr>
-              <a:t>st_read</a:t>
-            </a:r>
-            <a:r>
-              <a:rPr>
-                <a:latin typeface="Courier"/>
-              </a:rPr>
-              <a:t>(</a:t>
-            </a:r>
-            <a:r>
-              <a:rPr>
-                <a:solidFill>
-                  <a:srgbClr val="4070A0"/>
-                </a:solidFill>
-                <a:latin typeface="Courier"/>
-              </a:rPr>
-              <a:t>'stormsub.shp'</a:t>
-            </a:r>
-            <a:r>
-              <a:rPr>
-                <a:latin typeface="Courier"/>
-              </a:rPr>
-              <a:t>)</a:t>
-            </a:r>
-          </a:p>
-          <a:p>
-            <a:pPr lvl="0" indent="0">
-              <a:buNone/>
-            </a:pPr>
-            <a:r>
-              <a:rPr>
-                <a:latin typeface="Courier"/>
-              </a:rPr>
-              <a:t>## Reading layer `stormsub' from data source 
-##   `/Users/yshao/work/Geog4254-5254G/week3/stormsub.shp' using driver `ESRI Shapefile'
-## Simple feature collection with 203 features and 4 fields
-## Geometry type: POINT
-## Dimension:     XY
-## Bounding box:  xmin: -76.222 ymin: 36.556 xmax: -75.88 ymax: 36.929
-## Geodetic CRS:  GCS_unknown</a:t>
-            </a:r>
-          </a:p>
-          <a:p>
-            <a:pPr lvl="0" indent="0">
-              <a:buNone/>
-            </a:pPr>
-            <a:r>
-              <a:rPr>
-                <a:solidFill>
-                  <a:srgbClr val="06287E"/>
-                </a:solidFill>
-                <a:latin typeface="Courier"/>
-              </a:rPr>
               <a:t>plot</a:t>
             </a:r>
             <a:r>
               <a:rPr>
                 <a:latin typeface="Courier"/>
               </a:rPr>
-              <a:t>(storm[</a:t>
+              <a:t>(storm_new[</a:t>
             </a:r>
             <a:r>
               <a:rPr>
@@ -6533,7 +7512,7 @@
       </p:sp>
       <p:pic>
         <p:nvPicPr>
-          <p:cNvPr descr="week3_files/figure-pptx/unnamed-chunk-3-1.png" id="0" name="Picture 1"/>
+          <p:cNvPr id="3" name="Picture 1" descr="week3_files/figure-pptx/unnamed-chunk-4-1.png"/>
           <p:cNvPicPr>
             <a:picLocks noGrp="1" noChangeAspect="1"/>
           </p:cNvPicPr>
@@ -6563,300 +7542,9 @@
       </p:pic>
     </p:spTree>
   </p:cSld>
-</p:sld>
-</file>
-
-<file path=ppt/slides/slide8.xml><?xml version="1.0" encoding="utf-8"?>
-<p:sld xmlns:a="http://schemas.openxmlformats.org/drawingml/2006/main" xmlns:r="http://schemas.openxmlformats.org/officeDocument/2006/relationships" xmlns:p="http://schemas.openxmlformats.org/presentationml/2006/main">
-  <p:cSld>
-    <p:spTree>
-      <p:nvGrpSpPr>
-        <p:cNvPr id="1" name=""/>
-        <p:cNvGrpSpPr/>
-        <p:nvPr/>
-      </p:nvGrpSpPr>
-      <p:grpSpPr>
-        <a:xfrm>
-          <a:off x="0" y="0"/>
-          <a:ext cx="0" cy="0"/>
-          <a:chOff x="0" y="0"/>
-          <a:chExt cx="0" cy="0"/>
-        </a:xfrm>
-      </p:grpSpPr>
-      <p:sp>
-        <p:nvSpPr>
-          <p:cNvPr id="2" name="Title 1"/>
-          <p:cNvSpPr>
-            <a:spLocks noGrp="1"/>
-          </p:cNvSpPr>
-          <p:nvPr>
-            <p:ph type="title"/>
-          </p:nvPr>
-        </p:nvSpPr>
-        <p:spPr>
-          <a:xfrm>
-            <a:off x="457201" y="204787"/>
-            <a:ext cx="3008313" cy="871538"/>
-          </a:xfrm>
-        </p:spPr>
-        <p:txBody>
-          <a:bodyPr/>
-          <a:lstStyle/>
-          <a:p>
-            <a:pPr lvl="0" indent="0" marL="0">
-              <a:buNone/>
-            </a:pPr>
-            <a:r>
-              <a:rPr/>
-              <a:t>Select points based on user-defined threshold value? (e.g, &gt;1.6m)</a:t>
-            </a:r>
-          </a:p>
-        </p:txBody>
-      </p:sp>
-      <p:sp>
-        <p:nvSpPr>
-          <p:cNvPr id="4" name="Text Placeholder 3"/>
-          <p:cNvSpPr>
-            <a:spLocks noGrp="1"/>
-          </p:cNvSpPr>
-          <p:nvPr>
-            <p:ph idx="2" sz="half" type="body"/>
-          </p:nvPr>
-        </p:nvSpPr>
-        <p:spPr/>
-        <p:txBody>
-          <a:bodyPr/>
-          <a:lstStyle/>
-          <a:p>
-            <a:pPr lvl="0" indent="0">
-              <a:buNone/>
-            </a:pPr>
-            <a:r>
-              <a:rPr>
-                <a:latin typeface="Courier"/>
-              </a:rPr>
-              <a:t>storm_new </a:t>
-            </a:r>
-            <a:r>
-              <a:rPr>
-                <a:solidFill>
-                  <a:srgbClr val="007020"/>
-                </a:solidFill>
-                <a:latin typeface="Courier"/>
-              </a:rPr>
-              <a:t>&lt;-</a:t>
-            </a:r>
-            <a:r>
-              <a:rPr>
-                <a:latin typeface="Courier"/>
-              </a:rPr>
-              <a:t> storm[storm</a:t>
-            </a:r>
-            <a:r>
-              <a:rPr>
-                <a:solidFill>
-                  <a:srgbClr val="4070A0"/>
-                </a:solidFill>
-                <a:latin typeface="Courier"/>
-              </a:rPr>
-              <a:t>$</a:t>
-            </a:r>
-            <a:r>
-              <a:rPr>
-                <a:latin typeface="Courier"/>
-              </a:rPr>
-              <a:t>V</a:t>
-            </a:r>
-            <a:r>
-              <a:rPr>
-                <a:solidFill>
-                  <a:srgbClr val="4070A0"/>
-                </a:solidFill>
-                <a:latin typeface="Courier"/>
-              </a:rPr>
-              <a:t>&gt;</a:t>
-            </a:r>
-            <a:r>
-              <a:rPr>
-                <a:solidFill>
-                  <a:srgbClr val="40A070"/>
-                </a:solidFill>
-                <a:latin typeface="Courier"/>
-              </a:rPr>
-              <a:t>1.6</a:t>
-            </a:r>
-            <a:r>
-              <a:rPr>
-                <a:latin typeface="Courier"/>
-              </a:rPr>
-              <a:t>,]</a:t>
-            </a:r>
-            <a:br/>
-            <a:r>
-              <a:rPr>
-                <a:solidFill>
-                  <a:srgbClr val="06287E"/>
-                </a:solidFill>
-                <a:latin typeface="Courier"/>
-              </a:rPr>
-              <a:t>plot</a:t>
-            </a:r>
-            <a:r>
-              <a:rPr>
-                <a:latin typeface="Courier"/>
-              </a:rPr>
-              <a:t>(storm_new[</a:t>
-            </a:r>
-            <a:r>
-              <a:rPr>
-                <a:solidFill>
-                  <a:srgbClr val="4070A0"/>
-                </a:solidFill>
-                <a:latin typeface="Courier"/>
-              </a:rPr>
-              <a:t>'V'</a:t>
-            </a:r>
-            <a:r>
-              <a:rPr>
-                <a:latin typeface="Courier"/>
-              </a:rPr>
-              <a:t>])</a:t>
-            </a:r>
-          </a:p>
-        </p:txBody>
-      </p:sp>
-      <p:pic>
-        <p:nvPicPr>
-          <p:cNvPr descr="week3_files/figure-pptx/unnamed-chunk-4-1.png" id="0" name="Picture 1"/>
-          <p:cNvPicPr>
-            <a:picLocks noGrp="1" noChangeAspect="1"/>
-          </p:cNvPicPr>
-          <p:nvPr/>
-        </p:nvPicPr>
-        <p:blipFill>
-          <a:blip r:embed="rId2"/>
-          <a:stretch>
-            <a:fillRect/>
-          </a:stretch>
-        </p:blipFill>
-        <p:spPr bwMode="auto">
-          <a:xfrm>
-            <a:off x="3568700" y="355600"/>
-            <a:ext cx="5105400" cy="4089400"/>
-          </a:xfrm>
-          <a:prstGeom prst="rect">
-            <a:avLst/>
-          </a:prstGeom>
-          <a:noFill/>
-          <a:ln w="9525">
-            <a:noFill/>
-            <a:headEnd/>
-            <a:tailEnd/>
-          </a:ln>
-        </p:spPr>
-      </p:pic>
-    </p:spTree>
-  </p:cSld>
-</p:sld>
-</file>
-
-<file path=ppt/slides/slide9.xml><?xml version="1.0" encoding="utf-8"?>
-<p:sld xmlns:a="http://schemas.openxmlformats.org/drawingml/2006/main" xmlns:r="http://schemas.openxmlformats.org/officeDocument/2006/relationships" xmlns:p="http://schemas.openxmlformats.org/presentationml/2006/main">
-  <p:cSld>
-    <p:spTree>
-      <p:nvGrpSpPr>
-        <p:cNvPr id="1" name=""/>
-        <p:cNvGrpSpPr/>
-        <p:nvPr/>
-      </p:nvGrpSpPr>
-      <p:grpSpPr>
-        <a:xfrm>
-          <a:off x="0" y="0"/>
-          <a:ext cx="0" cy="0"/>
-          <a:chOff x="0" y="0"/>
-          <a:chExt cx="0" cy="0"/>
-        </a:xfrm>
-      </p:grpSpPr>
-      <p:sp>
-        <p:nvSpPr>
-          <p:cNvPr id="2" name="Title 1"/>
-          <p:cNvSpPr>
-            <a:spLocks noGrp="1"/>
-          </p:cNvSpPr>
-          <p:nvPr>
-            <p:ph type="title"/>
-          </p:nvPr>
-        </p:nvSpPr>
-        <p:spPr/>
-        <p:txBody>
-          <a:bodyPr/>
-          <a:lstStyle/>
-          <a:p>
-            <a:pPr lvl="0" indent="0" marL="0">
-              <a:buNone/>
-            </a:pPr>
-            <a:r>
-              <a:rPr/>
-              <a:t>Outline</a:t>
-            </a:r>
-          </a:p>
-        </p:txBody>
-      </p:sp>
-      <p:sp>
-        <p:nvSpPr>
-          <p:cNvPr id="3" name="Content Placeholder 2"/>
-          <p:cNvSpPr>
-            <a:spLocks noGrp="1"/>
-          </p:cNvSpPr>
-          <p:nvPr>
-            <p:ph idx="1"/>
-          </p:nvPr>
-        </p:nvSpPr>
-        <p:spPr/>
-        <p:txBody>
-          <a:bodyPr/>
-          <a:lstStyle/>
-          <a:p>
-            <a:pPr lvl="0" indent="0" marL="0">
-              <a:buNone/>
-            </a:pPr>
-            <a:r>
-              <a:rPr/>
-              <a:t>Handling spatial data in R</a:t>
-            </a:r>
-          </a:p>
-          <a:p>
-            <a:pPr lvl="0"/>
-            <a:r>
-              <a:rPr i="1"/>
-              <a:t>Join tables (join table to shapefile)</a:t>
-            </a:r>
-          </a:p>
-          <a:p>
-            <a:pPr lvl="0"/>
-            <a:r>
-              <a:rPr i="1"/>
-              <a:t>Select features (select by attribute)</a:t>
-            </a:r>
-          </a:p>
-          <a:p>
-            <a:pPr lvl="0"/>
-            <a:r>
-              <a:rPr i="1"/>
-              <a:t>Buffer (shapefile), unionSpatialPolygons</a:t>
-            </a:r>
-          </a:p>
-          <a:p>
-            <a:pPr lvl="0"/>
-            <a:r>
-              <a:rPr i="1"/>
-              <a:t>Zonal statistics as table (for Raster data)</a:t>
-            </a:r>
-          </a:p>
-        </p:txBody>
-      </p:sp>
-    </p:spTree>
-  </p:cSld>
+  <p:clrMapOvr>
+    <a:masterClrMapping/>
+  </p:clrMapOvr>
 </p:sld>
 </file>
 
@@ -7178,265 +7866,4 @@
   </a:objectDefaults>
   <a:extraClrSchemeLst/>
 </a:theme>
-</file>
-
-<file path=ppt/theme/theme2.xml><?xml version="1.0" encoding="utf-8"?>
-<a:theme xmlns:a="http://schemas.openxmlformats.org/drawingml/2006/main" name="Office Theme">
-  <a:themeElements>
-    <a:clrScheme name="Office">
-      <a:dk1>
-        <a:sysClr val="windowText" lastClr="000000"/>
-      </a:dk1>
-      <a:lt1>
-        <a:sysClr val="window" lastClr="FFFFFF"/>
-      </a:lt1>
-      <a:dk2>
-        <a:srgbClr val="44546A"/>
-      </a:dk2>
-      <a:lt2>
-        <a:srgbClr val="E7E6E6"/>
-      </a:lt2>
-      <a:accent1>
-        <a:srgbClr val="5B9BD5"/>
-      </a:accent1>
-      <a:accent2>
-        <a:srgbClr val="ED7D31"/>
-      </a:accent2>
-      <a:accent3>
-        <a:srgbClr val="A5A5A5"/>
-      </a:accent3>
-      <a:accent4>
-        <a:srgbClr val="FFC000"/>
-      </a:accent4>
-      <a:accent5>
-        <a:srgbClr val="4472C4"/>
-      </a:accent5>
-      <a:accent6>
-        <a:srgbClr val="70AD47"/>
-      </a:accent6>
-      <a:hlink>
-        <a:srgbClr val="0563C1"/>
-      </a:hlink>
-      <a:folHlink>
-        <a:srgbClr val="954F72"/>
-      </a:folHlink>
-    </a:clrScheme>
-    <a:fontScheme name="Office">
-      <a:majorFont>
-        <a:latin typeface="Calibri Light" panose="020F0302020204030204"/>
-        <a:ea typeface=""/>
-        <a:cs typeface=""/>
-        <a:font script="Jpan" typeface="ＭＳ Ｐゴシック"/>
-        <a:font script="Hang" typeface="맑은 고딕"/>
-        <a:font script="Hans" typeface="宋体"/>
-        <a:font script="Hant" typeface="新細明體"/>
-        <a:font script="Arab" typeface="Times New Roman"/>
-        <a:font script="Hebr" typeface="Times New Roman"/>
-        <a:font script="Thai" typeface="Angsana New"/>
-        <a:font script="Ethi" typeface="Nyala"/>
-        <a:font script="Beng" typeface="Vrinda"/>
-        <a:font script="Gujr" typeface="Shruti"/>
-        <a:font script="Khmr" typeface="MoolBoran"/>
-        <a:font script="Knda" typeface="Tunga"/>
-        <a:font script="Guru" typeface="Raavi"/>
-        <a:font script="Cans" typeface="Euphemia"/>
-        <a:font script="Cher" typeface="Plantagenet Cherokee"/>
-        <a:font script="Yiii" typeface="Microsoft Yi Baiti"/>
-        <a:font script="Tibt" typeface="Microsoft Himalaya"/>
-        <a:font script="Thaa" typeface="MV Boli"/>
-        <a:font script="Deva" typeface="Mangal"/>
-        <a:font script="Telu" typeface="Gautami"/>
-        <a:font script="Taml" typeface="Latha"/>
-        <a:font script="Syrc" typeface="Estrangelo Edessa"/>
-        <a:font script="Orya" typeface="Kalinga"/>
-        <a:font script="Mlym" typeface="Kartika"/>
-        <a:font script="Laoo" typeface="DokChampa"/>
-        <a:font script="Sinh" typeface="Iskoola Pota"/>
-        <a:font script="Mong" typeface="Mongolian Baiti"/>
-        <a:font script="Viet" typeface="Times New Roman"/>
-        <a:font script="Uigh" typeface="Microsoft Uighur"/>
-        <a:font script="Geor" typeface="Sylfaen"/>
-      </a:majorFont>
-      <a:minorFont>
-        <a:latin typeface="Calibri" panose="020F0502020204030204"/>
-        <a:ea typeface=""/>
-        <a:cs typeface=""/>
-        <a:font script="Jpan" typeface="ＭＳ Ｐゴシック"/>
-        <a:font script="Hang" typeface="맑은 고딕"/>
-        <a:font script="Hans" typeface="宋体"/>
-        <a:font script="Hant" typeface="新細明體"/>
-        <a:font script="Arab" typeface="Arial"/>
-        <a:font script="Hebr" typeface="Arial"/>
-        <a:font script="Thai" typeface="Cordia New"/>
-        <a:font script="Ethi" typeface="Nyala"/>
-        <a:font script="Beng" typeface="Vrinda"/>
-        <a:font script="Gujr" typeface="Shruti"/>
-        <a:font script="Khmr" typeface="DaunPenh"/>
-        <a:font script="Knda" typeface="Tunga"/>
-        <a:font script="Guru" typeface="Raavi"/>
-        <a:font script="Cans" typeface="Euphemia"/>
-        <a:font script="Cher" typeface="Plantagenet Cherokee"/>
-        <a:font script="Yiii" typeface="Microsoft Yi Baiti"/>
-        <a:font script="Tibt" typeface="Microsoft Himalaya"/>
-        <a:font script="Thaa" typeface="MV Boli"/>
-        <a:font script="Deva" typeface="Mangal"/>
-        <a:font script="Telu" typeface="Gautami"/>
-        <a:font script="Taml" typeface="Latha"/>
-        <a:font script="Syrc" typeface="Estrangelo Edessa"/>
-        <a:font script="Orya" typeface="Kalinga"/>
-        <a:font script="Mlym" typeface="Kartika"/>
-        <a:font script="Laoo" typeface="DokChampa"/>
-        <a:font script="Sinh" typeface="Iskoola Pota"/>
-        <a:font script="Mong" typeface="Mongolian Baiti"/>
-        <a:font script="Viet" typeface="Arial"/>
-        <a:font script="Uigh" typeface="Microsoft Uighur"/>
-        <a:font script="Geor" typeface="Sylfaen"/>
-      </a:minorFont>
-    </a:fontScheme>
-    <a:fmtScheme name="Office">
-      <a:fillStyleLst>
-        <a:solidFill>
-          <a:schemeClr val="phClr"/>
-        </a:solidFill>
-        <a:gradFill rotWithShape="1">
-          <a:gsLst>
-            <a:gs pos="0">
-              <a:schemeClr val="phClr">
-                <a:lumMod val="110000"/>
-                <a:satMod val="105000"/>
-                <a:tint val="67000"/>
-              </a:schemeClr>
-            </a:gs>
-            <a:gs pos="50000">
-              <a:schemeClr val="phClr">
-                <a:lumMod val="105000"/>
-                <a:satMod val="103000"/>
-                <a:tint val="73000"/>
-              </a:schemeClr>
-            </a:gs>
-            <a:gs pos="100000">
-              <a:schemeClr val="phClr">
-                <a:lumMod val="105000"/>
-                <a:satMod val="109000"/>
-                <a:tint val="81000"/>
-              </a:schemeClr>
-            </a:gs>
-          </a:gsLst>
-          <a:lin ang="5400000" scaled="0"/>
-        </a:gradFill>
-        <a:gradFill rotWithShape="1">
-          <a:gsLst>
-            <a:gs pos="0">
-              <a:schemeClr val="phClr">
-                <a:satMod val="103000"/>
-                <a:lumMod val="102000"/>
-                <a:tint val="94000"/>
-              </a:schemeClr>
-            </a:gs>
-            <a:gs pos="50000">
-              <a:schemeClr val="phClr">
-                <a:satMod val="110000"/>
-                <a:lumMod val="100000"/>
-                <a:shade val="100000"/>
-              </a:schemeClr>
-            </a:gs>
-            <a:gs pos="100000">
-              <a:schemeClr val="phClr">
-                <a:lumMod val="99000"/>
-                <a:satMod val="120000"/>
-                <a:shade val="78000"/>
-              </a:schemeClr>
-            </a:gs>
-          </a:gsLst>
-          <a:lin ang="5400000" scaled="0"/>
-        </a:gradFill>
-      </a:fillStyleLst>
-      <a:lnStyleLst>
-        <a:ln w="6350" cap="flat" cmpd="sng" algn="ctr">
-          <a:solidFill>
-            <a:schemeClr val="phClr"/>
-          </a:solidFill>
-          <a:prstDash val="solid"/>
-          <a:miter lim="800000"/>
-        </a:ln>
-        <a:ln w="12700" cap="flat" cmpd="sng" algn="ctr">
-          <a:solidFill>
-            <a:schemeClr val="phClr"/>
-          </a:solidFill>
-          <a:prstDash val="solid"/>
-          <a:miter lim="800000"/>
-        </a:ln>
-        <a:ln w="19050" cap="flat" cmpd="sng" algn="ctr">
-          <a:solidFill>
-            <a:schemeClr val="phClr"/>
-          </a:solidFill>
-          <a:prstDash val="solid"/>
-          <a:miter lim="800000"/>
-        </a:ln>
-      </a:lnStyleLst>
-      <a:effectStyleLst>
-        <a:effectStyle>
-          <a:effectLst/>
-        </a:effectStyle>
-        <a:effectStyle>
-          <a:effectLst/>
-        </a:effectStyle>
-        <a:effectStyle>
-          <a:effectLst>
-            <a:outerShdw blurRad="57150" dist="19050" dir="5400000" algn="ctr" rotWithShape="0">
-              <a:srgbClr val="000000">
-                <a:alpha val="63000"/>
-              </a:srgbClr>
-            </a:outerShdw>
-          </a:effectLst>
-        </a:effectStyle>
-      </a:effectStyleLst>
-      <a:bgFillStyleLst>
-        <a:solidFill>
-          <a:schemeClr val="phClr"/>
-        </a:solidFill>
-        <a:solidFill>
-          <a:schemeClr val="phClr">
-            <a:tint val="95000"/>
-            <a:satMod val="170000"/>
-          </a:schemeClr>
-        </a:solidFill>
-        <a:gradFill rotWithShape="1">
-          <a:gsLst>
-            <a:gs pos="0">
-              <a:schemeClr val="phClr">
-                <a:tint val="93000"/>
-                <a:satMod val="150000"/>
-                <a:shade val="98000"/>
-                <a:lumMod val="102000"/>
-              </a:schemeClr>
-            </a:gs>
-            <a:gs pos="50000">
-              <a:schemeClr val="phClr">
-                <a:tint val="98000"/>
-                <a:satMod val="130000"/>
-                <a:shade val="90000"/>
-                <a:lumMod val="103000"/>
-              </a:schemeClr>
-            </a:gs>
-            <a:gs pos="100000">
-              <a:schemeClr val="phClr">
-                <a:shade val="63000"/>
-                <a:satMod val="120000"/>
-              </a:schemeClr>
-            </a:gs>
-          </a:gsLst>
-          <a:lin ang="5400000" scaled="0"/>
-        </a:gradFill>
-      </a:bgFillStyleLst>
-    </a:fmtScheme>
-  </a:themeElements>
-  <a:objectDefaults/>
-  <a:extraClrSchemeLst/>
-  <a:extLst>
-    <a:ext uri="{05A4C25C-085E-4340-85A3-A5531E510DB2}">
-      <thm15:themeFamily xmlns:thm15="http://schemas.microsoft.com/office/thememl/2012/main" name="Office Theme" id="{62F939B6-93AF-4DB8-9C6B-D6C7DFDC589F}" vid="{4A3C46E8-61CC-4603-A589-7422A47A8E4A}"/>
-    </a:ext>
-  </a:extLst>
-</a:theme>
 </file>